--- a/SuSS/ANL252_Python_4_Biz/3_Lecturer/Lecture_6/ANL252_SU6_Jul2021 (MK_edits).pptx
+++ b/SuSS/ANL252_Python_4_Biz/3_Lecturer/Lecture_6/ANL252_SU6_Jul2021 (MK_edits).pptx
@@ -10466,7 +10466,7 @@
           <p:cNvPr id="9" name="Picture 8" descr="holding device-02.png">
             <a:extLst>
               <a:ext uri="{FF2B5EF4-FFF2-40B4-BE49-F238E27FC236}">
-                <a16:creationId xmlns:a16="http://schemas.microsoft.com/office/drawing/2014/main" xmlns="" id="{AA410A6D-8E37-40A0-B8CC-1C962083824E}"/>
+                <a16:creationId xmlns:a16="http://schemas.microsoft.com/office/drawing/2014/main" id="{AA410A6D-8E37-40A0-B8CC-1C962083824E}"/>
               </a:ext>
             </a:extLst>
           </p:cNvPr>
@@ -10501,7 +10501,7 @@
           <p:cNvPr id="10" name="Subtitle 2">
             <a:extLst>
               <a:ext uri="{FF2B5EF4-FFF2-40B4-BE49-F238E27FC236}">
-                <a16:creationId xmlns:a16="http://schemas.microsoft.com/office/drawing/2014/main" xmlns="" id="{2BD45AE7-ECF6-4289-BFAE-B988AB3AD28C}"/>
+                <a16:creationId xmlns:a16="http://schemas.microsoft.com/office/drawing/2014/main" id="{2BD45AE7-ECF6-4289-BFAE-B988AB3AD28C}"/>
               </a:ext>
             </a:extLst>
           </p:cNvPr>
@@ -10625,7 +10625,7 @@
           <p:cNvPr id="5" name="TextBox 2">
             <a:extLst>
               <a:ext uri="{FF2B5EF4-FFF2-40B4-BE49-F238E27FC236}">
-                <a16:creationId xmlns:a16="http://schemas.microsoft.com/office/drawing/2014/main" xmlns="" id="{F1E37139-96F0-452A-889E-7BC6FD1F677F}"/>
+                <a16:creationId xmlns:a16="http://schemas.microsoft.com/office/drawing/2014/main" id="{F1E37139-96F0-452A-889E-7BC6FD1F677F}"/>
               </a:ext>
             </a:extLst>
           </p:cNvPr>
@@ -10769,7 +10769,7 @@
           <p:cNvPr id="7" name="Title 1">
             <a:extLst>
               <a:ext uri="{FF2B5EF4-FFF2-40B4-BE49-F238E27FC236}">
-                <a16:creationId xmlns:a16="http://schemas.microsoft.com/office/drawing/2014/main" xmlns="" id="{C1793192-1442-45D1-B3B4-770FE5CA8071}"/>
+                <a16:creationId xmlns:a16="http://schemas.microsoft.com/office/drawing/2014/main" id="{C1793192-1442-45D1-B3B4-770FE5CA8071}"/>
               </a:ext>
             </a:extLst>
           </p:cNvPr>
@@ -13756,7 +13756,7 @@
           <p:cNvPr id="7" name="Picture 6" descr="holding device-02.png">
             <a:extLst>
               <a:ext uri="{FF2B5EF4-FFF2-40B4-BE49-F238E27FC236}">
-                <a16:creationId xmlns:a16="http://schemas.microsoft.com/office/drawing/2014/main" xmlns="" id="{77683DCF-304F-4543-AC23-5629F576D64C}"/>
+                <a16:creationId xmlns:a16="http://schemas.microsoft.com/office/drawing/2014/main" id="{77683DCF-304F-4543-AC23-5629F576D64C}"/>
               </a:ext>
             </a:extLst>
           </p:cNvPr>
@@ -13791,7 +13791,7 @@
           <p:cNvPr id="8" name="Subtitle 2">
             <a:extLst>
               <a:ext uri="{FF2B5EF4-FFF2-40B4-BE49-F238E27FC236}">
-                <a16:creationId xmlns:a16="http://schemas.microsoft.com/office/drawing/2014/main" xmlns="" id="{E17BF815-5C07-4BFA-9409-344E12682DF8}"/>
+                <a16:creationId xmlns:a16="http://schemas.microsoft.com/office/drawing/2014/main" id="{E17BF815-5C07-4BFA-9409-344E12682DF8}"/>
               </a:ext>
             </a:extLst>
           </p:cNvPr>
@@ -13915,7 +13915,7 @@
           <p:cNvPr id="6" name="TextBox 2">
             <a:extLst>
               <a:ext uri="{FF2B5EF4-FFF2-40B4-BE49-F238E27FC236}">
-                <a16:creationId xmlns:a16="http://schemas.microsoft.com/office/drawing/2014/main" xmlns="" id="{F1E37139-96F0-452A-889E-7BC6FD1F677F}"/>
+                <a16:creationId xmlns:a16="http://schemas.microsoft.com/office/drawing/2014/main" id="{F1E37139-96F0-452A-889E-7BC6FD1F677F}"/>
               </a:ext>
             </a:extLst>
           </p:cNvPr>
@@ -14059,7 +14059,7 @@
           <p:cNvPr id="9" name="Title 1">
             <a:extLst>
               <a:ext uri="{FF2B5EF4-FFF2-40B4-BE49-F238E27FC236}">
-                <a16:creationId xmlns:a16="http://schemas.microsoft.com/office/drawing/2014/main" xmlns="" id="{A3F32D88-2AF0-46B9-B37D-8AF43C682023}"/>
+                <a16:creationId xmlns:a16="http://schemas.microsoft.com/office/drawing/2014/main" id="{A3F32D88-2AF0-46B9-B37D-8AF43C682023}"/>
               </a:ext>
             </a:extLst>
           </p:cNvPr>
@@ -16306,7 +16306,7 @@
           <a:p>
             <a:pPr defTabSz="457200"/>
             <a:r>
-              <a:rPr lang="en-US" smtClean="0"/>
+              <a:rPr lang="en-US"/>
               <a:t>suss.edu.sg</a:t>
             </a:r>
             <a:endParaRPr lang="en-US" dirty="0"/>
@@ -16724,7 +16724,7 @@
           <p:cNvPr id="6" name="Picture 5" descr="holding device-02.png">
             <a:extLst>
               <a:ext uri="{FF2B5EF4-FFF2-40B4-BE49-F238E27FC236}">
-                <a16:creationId xmlns:a16="http://schemas.microsoft.com/office/drawing/2014/main" xmlns="" id="{40570172-6531-4623-94F6-969DC93D5C82}"/>
+                <a16:creationId xmlns:a16="http://schemas.microsoft.com/office/drawing/2014/main" id="{40570172-6531-4623-94F6-969DC93D5C82}"/>
               </a:ext>
             </a:extLst>
           </p:cNvPr>
@@ -16759,7 +16759,7 @@
           <p:cNvPr id="7" name="Subtitle 2">
             <a:extLst>
               <a:ext uri="{FF2B5EF4-FFF2-40B4-BE49-F238E27FC236}">
-                <a16:creationId xmlns:a16="http://schemas.microsoft.com/office/drawing/2014/main" xmlns="" id="{6DCAD2DA-B888-43BF-AF5D-2273C167D24A}"/>
+                <a16:creationId xmlns:a16="http://schemas.microsoft.com/office/drawing/2014/main" id="{6DCAD2DA-B888-43BF-AF5D-2273C167D24A}"/>
               </a:ext>
             </a:extLst>
           </p:cNvPr>
@@ -16883,7 +16883,7 @@
           <p:cNvPr id="8" name="Title 1">
             <a:extLst>
               <a:ext uri="{FF2B5EF4-FFF2-40B4-BE49-F238E27FC236}">
-                <a16:creationId xmlns:a16="http://schemas.microsoft.com/office/drawing/2014/main" xmlns="" id="{186A05CA-8940-4826-8D45-F6575A427E78}"/>
+                <a16:creationId xmlns:a16="http://schemas.microsoft.com/office/drawing/2014/main" id="{186A05CA-8940-4826-8D45-F6575A427E78}"/>
               </a:ext>
             </a:extLst>
           </p:cNvPr>
@@ -16952,7 +16952,7 @@
           <p:cNvPr id="8" name="Picture 7" descr="holding device-02.png">
             <a:extLst>
               <a:ext uri="{FF2B5EF4-FFF2-40B4-BE49-F238E27FC236}">
-                <a16:creationId xmlns:a16="http://schemas.microsoft.com/office/drawing/2014/main" xmlns="" id="{DC58F275-C00E-4C38-8E85-7D10AB5BC611}"/>
+                <a16:creationId xmlns:a16="http://schemas.microsoft.com/office/drawing/2014/main" id="{DC58F275-C00E-4C38-8E85-7D10AB5BC611}"/>
               </a:ext>
             </a:extLst>
           </p:cNvPr>
@@ -16987,7 +16987,7 @@
           <p:cNvPr id="9" name="Subtitle 2">
             <a:extLst>
               <a:ext uri="{FF2B5EF4-FFF2-40B4-BE49-F238E27FC236}">
-                <a16:creationId xmlns:a16="http://schemas.microsoft.com/office/drawing/2014/main" xmlns="" id="{655A8B44-E113-4C6B-A2FC-5BEFE731A049}"/>
+                <a16:creationId xmlns:a16="http://schemas.microsoft.com/office/drawing/2014/main" id="{655A8B44-E113-4C6B-A2FC-5BEFE731A049}"/>
               </a:ext>
             </a:extLst>
           </p:cNvPr>
@@ -17111,7 +17111,7 @@
           <p:cNvPr id="5" name="Title 1">
             <a:extLst>
               <a:ext uri="{FF2B5EF4-FFF2-40B4-BE49-F238E27FC236}">
-                <a16:creationId xmlns:a16="http://schemas.microsoft.com/office/drawing/2014/main" xmlns="" id="{2697F373-2D29-4A10-8D19-1DC1745AD816}"/>
+                <a16:creationId xmlns:a16="http://schemas.microsoft.com/office/drawing/2014/main" id="{2697F373-2D29-4A10-8D19-1DC1745AD816}"/>
               </a:ext>
             </a:extLst>
           </p:cNvPr>
@@ -17180,7 +17180,7 @@
           <p:cNvPr id="6" name="Picture 5" descr="holding device-02.png">
             <a:extLst>
               <a:ext uri="{FF2B5EF4-FFF2-40B4-BE49-F238E27FC236}">
-                <a16:creationId xmlns:a16="http://schemas.microsoft.com/office/drawing/2014/main" xmlns="" id="{2DB593FB-453B-49CE-8C22-EC4F23596A03}"/>
+                <a16:creationId xmlns:a16="http://schemas.microsoft.com/office/drawing/2014/main" id="{2DB593FB-453B-49CE-8C22-EC4F23596A03}"/>
               </a:ext>
             </a:extLst>
           </p:cNvPr>
@@ -17215,7 +17215,7 @@
           <p:cNvPr id="10" name="Subtitle 2">
             <a:extLst>
               <a:ext uri="{FF2B5EF4-FFF2-40B4-BE49-F238E27FC236}">
-                <a16:creationId xmlns:a16="http://schemas.microsoft.com/office/drawing/2014/main" xmlns="" id="{B8C2D3B4-8000-4C3B-83C3-D27675CA2CFF}"/>
+                <a16:creationId xmlns:a16="http://schemas.microsoft.com/office/drawing/2014/main" id="{B8C2D3B4-8000-4C3B-83C3-D27675CA2CFF}"/>
               </a:ext>
             </a:extLst>
           </p:cNvPr>
@@ -17339,7 +17339,7 @@
           <p:cNvPr id="7" name="Title 1">
             <a:extLst>
               <a:ext uri="{FF2B5EF4-FFF2-40B4-BE49-F238E27FC236}">
-                <a16:creationId xmlns:a16="http://schemas.microsoft.com/office/drawing/2014/main" xmlns="" id="{C5440F6F-B485-4D33-BFE7-844491778F40}"/>
+                <a16:creationId xmlns:a16="http://schemas.microsoft.com/office/drawing/2014/main" id="{C5440F6F-B485-4D33-BFE7-844491778F40}"/>
               </a:ext>
             </a:extLst>
           </p:cNvPr>
@@ -17442,7 +17442,7 @@
           <p:cNvPr id="4" name="Picture 3" descr="01 Singapore University of Social Sciences_Horizontal Format_Version A_White Background_RGB.png">
             <a:extLst>
               <a:ext uri="{FF2B5EF4-FFF2-40B4-BE49-F238E27FC236}">
-                <a16:creationId xmlns:a16="http://schemas.microsoft.com/office/drawing/2014/main" xmlns="" id="{F4B87DF8-359B-428C-8106-C024322B14EB}"/>
+                <a16:creationId xmlns:a16="http://schemas.microsoft.com/office/drawing/2014/main" id="{F4B87DF8-359B-428C-8106-C024322B14EB}"/>
               </a:ext>
             </a:extLst>
           </p:cNvPr>
@@ -17478,7 +17478,7 @@
           <p:cNvPr id="5" name="Title 1">
             <a:extLst>
               <a:ext uri="{FF2B5EF4-FFF2-40B4-BE49-F238E27FC236}">
-                <a16:creationId xmlns:a16="http://schemas.microsoft.com/office/drawing/2014/main" xmlns="" id="{199BAE98-A49E-472D-8ACE-E2B33FF24B12}"/>
+                <a16:creationId xmlns:a16="http://schemas.microsoft.com/office/drawing/2014/main" id="{199BAE98-A49E-472D-8ACE-E2B33FF24B12}"/>
               </a:ext>
             </a:extLst>
           </p:cNvPr>
@@ -20849,7 +20849,7 @@
           <a:lstStyle/>
           <a:p>
             <a:r>
-              <a:rPr lang="en-US" altLang="en-US" sz="2100" dirty="0" smtClean="0">
+              <a:rPr lang="en-US" altLang="en-US" sz="2100" dirty="0">
                 <a:solidFill>
                   <a:schemeClr val="bg1"/>
                 </a:solidFill>
@@ -20857,18 +20857,7 @@
                 <a:ea typeface="ヒラギノ角ゴ Pro W3"/>
                 <a:cs typeface="ヒラギノ角ゴ Pro W3"/>
               </a:rPr>
-              <a:t>ANL252 </a:t>
-            </a:r>
-            <a:r>
-              <a:rPr lang="en-US" altLang="en-US" sz="2100" dirty="0">
-                <a:solidFill>
-                  <a:schemeClr val="bg1"/>
-                </a:solidFill>
-                <a:latin typeface="Lucida Sans" panose="020B0602030504020204" pitchFamily="34" charset="0"/>
-                <a:ea typeface="ヒラギノ角ゴ Pro W3"/>
-                <a:cs typeface="ヒラギノ角ゴ Pro W3"/>
-              </a:rPr>
-              <a:t>– Assessments, weightage, deadlines</a:t>
+              <a:t>ANL252 – Assessments, weightage, deadlines</a:t>
             </a:r>
             <a:endParaRPr lang="en-SG" altLang="en-US" sz="2100" dirty="0">
               <a:solidFill>
@@ -20948,7 +20937,11 @@
             <a:graphicFrameLocks/>
           </p:cNvGraphicFramePr>
           <p:nvPr>
-            <p:extLst/>
+            <p:extLst>
+              <p:ext uri="{D42A27DB-BD31-4B8C-83A1-F6EECF244321}">
+                <p14:modId xmlns:p14="http://schemas.microsoft.com/office/powerpoint/2010/main" val="3370540721"/>
+              </p:ext>
+            </p:extLst>
           </p:nvPr>
         </p:nvGraphicFramePr>
         <p:xfrm>
@@ -20965,28 +20958,28 @@
                 <a:gridCol w="2073847">
                   <a:extLst>
                     <a:ext uri="{9D8B030D-6E8A-4147-A177-3AD203B41FA5}">
-                      <a16:colId xmlns="" xmlns:a16="http://schemas.microsoft.com/office/drawing/2014/main" val="736504923"/>
+                      <a16:colId xmlns:a16="http://schemas.microsoft.com/office/drawing/2014/main" val="736504923"/>
                     </a:ext>
                   </a:extLst>
                 </a:gridCol>
                 <a:gridCol w="2867660">
                   <a:extLst>
                     <a:ext uri="{9D8B030D-6E8A-4147-A177-3AD203B41FA5}">
-                      <a16:colId xmlns="" xmlns:a16="http://schemas.microsoft.com/office/drawing/2014/main" val="2972121942"/>
+                      <a16:colId xmlns:a16="http://schemas.microsoft.com/office/drawing/2014/main" val="2972121942"/>
                     </a:ext>
                   </a:extLst>
                 </a:gridCol>
                 <a:gridCol w="1188085">
                   <a:extLst>
                     <a:ext uri="{9D8B030D-6E8A-4147-A177-3AD203B41FA5}">
-                      <a16:colId xmlns="" xmlns:a16="http://schemas.microsoft.com/office/drawing/2014/main" val="366444726"/>
+                      <a16:colId xmlns:a16="http://schemas.microsoft.com/office/drawing/2014/main" val="366444726"/>
                     </a:ext>
                   </a:extLst>
                 </a:gridCol>
                 <a:gridCol w="2023364">
                   <a:extLst>
                     <a:ext uri="{9D8B030D-6E8A-4147-A177-3AD203B41FA5}">
-                      <a16:colId xmlns="" xmlns:a16="http://schemas.microsoft.com/office/drawing/2014/main" val="4127926302"/>
+                      <a16:colId xmlns:a16="http://schemas.microsoft.com/office/drawing/2014/main" val="4127926302"/>
                     </a:ext>
                   </a:extLst>
                 </a:gridCol>
@@ -20998,7 +20991,7 @@
                     <a:lstStyle/>
                     <a:p>
                       <a:r>
-                        <a:rPr lang="en-US" dirty="0" smtClean="0"/>
+                        <a:rPr lang="en-US" dirty="0"/>
                         <a:t>Assessment</a:t>
                       </a:r>
                       <a:endParaRPr lang="en-SG" dirty="0"/>
@@ -21013,7 +21006,7 @@
                     <a:p>
                       <a:pPr algn="ctr"/>
                       <a:r>
-                        <a:rPr lang="en-US" dirty="0" smtClean="0"/>
+                        <a:rPr lang="en-US" dirty="0"/>
                         <a:t>Weightage</a:t>
                       </a:r>
                       <a:endParaRPr lang="en-SG" dirty="0"/>
@@ -21028,7 +21021,7 @@
                     <a:p>
                       <a:pPr algn="ctr"/>
                       <a:r>
-                        <a:rPr lang="en-US" dirty="0" smtClean="0"/>
+                        <a:rPr lang="en-US" dirty="0"/>
                         <a:t>Start date</a:t>
                       </a:r>
                       <a:endParaRPr lang="en-SG" dirty="0"/>
@@ -21043,7 +21036,7 @@
                     <a:p>
                       <a:pPr algn="ctr"/>
                       <a:r>
-                        <a:rPr lang="en-US" dirty="0" smtClean="0"/>
+                        <a:rPr lang="en-US" dirty="0"/>
                         <a:t>Deadline</a:t>
                       </a:r>
                       <a:endParaRPr lang="en-SG" dirty="0"/>
@@ -21053,7 +21046,7 @@
                 </a:tc>
                 <a:extLst>
                   <a:ext uri="{0D108BD9-81ED-4DB2-BD59-A6C34878D82A}">
-                    <a16:rowId xmlns="" xmlns:a16="http://schemas.microsoft.com/office/drawing/2014/main" val="920890589"/>
+                    <a16:rowId xmlns:a16="http://schemas.microsoft.com/office/drawing/2014/main" val="920890589"/>
                   </a:ext>
                 </a:extLst>
               </a:tr>
@@ -21064,11 +21057,11 @@
                     <a:lstStyle/>
                     <a:p>
                       <a:r>
-                        <a:rPr lang="en-US" dirty="0" smtClean="0"/>
+                        <a:rPr lang="en-US" dirty="0"/>
                         <a:t>Pre-Course</a:t>
                       </a:r>
                       <a:r>
-                        <a:rPr lang="en-US" baseline="0" dirty="0" smtClean="0"/>
+                        <a:rPr lang="en-US" baseline="0" dirty="0"/>
                         <a:t> Quiz 1</a:t>
                       </a:r>
                       <a:endParaRPr lang="en-SG" dirty="0"/>
@@ -21083,7 +21076,7 @@
                     <a:p>
                       <a:pPr algn="ctr"/>
                       <a:r>
-                        <a:rPr lang="en-US" dirty="0" smtClean="0"/>
+                        <a:rPr lang="en-US" dirty="0"/>
                         <a:t>2%</a:t>
                       </a:r>
                       <a:endParaRPr lang="en-SG" dirty="0"/>
@@ -21098,7 +21091,7 @@
                     <a:p>
                       <a:pPr algn="ctr"/>
                       <a:r>
-                        <a:rPr lang="en-US" dirty="0" smtClean="0"/>
+                        <a:rPr lang="en-US" dirty="0"/>
                         <a:t>19 July, 12pm</a:t>
                       </a:r>
                       <a:endParaRPr lang="en-SG" dirty="0"/>
@@ -21113,11 +21106,11 @@
                     <a:p>
                       <a:pPr algn="ctr"/>
                       <a:r>
-                        <a:rPr lang="en-US" dirty="0" smtClean="0"/>
+                        <a:rPr lang="en-US" dirty="0"/>
                         <a:t>30 July,</a:t>
                       </a:r>
                       <a:r>
-                        <a:rPr lang="en-US" baseline="0" dirty="0" smtClean="0"/>
+                        <a:rPr lang="en-US" baseline="0" dirty="0"/>
                         <a:t> 12pm</a:t>
                       </a:r>
                       <a:endParaRPr lang="en-SG" dirty="0"/>
@@ -21127,7 +21120,7 @@
                 </a:tc>
                 <a:extLst>
                   <a:ext uri="{0D108BD9-81ED-4DB2-BD59-A6C34878D82A}">
-                    <a16:rowId xmlns="" xmlns:a16="http://schemas.microsoft.com/office/drawing/2014/main" val="301574426"/>
+                    <a16:rowId xmlns:a16="http://schemas.microsoft.com/office/drawing/2014/main" val="301574426"/>
                   </a:ext>
                 </a:extLst>
               </a:tr>
@@ -21138,7 +21131,7 @@
                     <a:lstStyle/>
                     <a:p>
                       <a:r>
-                        <a:rPr lang="en-US" dirty="0" smtClean="0"/>
+                        <a:rPr lang="en-US" dirty="0"/>
                         <a:t>Pre-Class Quiz 1</a:t>
                       </a:r>
                       <a:endParaRPr lang="en-SG" dirty="0"/>
@@ -21153,7 +21146,7 @@
                     <a:p>
                       <a:pPr algn="ctr"/>
                       <a:r>
-                        <a:rPr lang="en-US" dirty="0" smtClean="0"/>
+                        <a:rPr lang="en-US" dirty="0"/>
                         <a:t>2%</a:t>
                       </a:r>
                       <a:endParaRPr lang="en-SG" dirty="0"/>
@@ -21168,11 +21161,11 @@
                     <a:p>
                       <a:pPr algn="ctr"/>
                       <a:r>
-                        <a:rPr lang="en-US" dirty="0" smtClean="0"/>
+                        <a:rPr lang="en-US" dirty="0"/>
                         <a:t>2 Aug,</a:t>
                       </a:r>
                       <a:r>
-                        <a:rPr lang="en-US" baseline="0" dirty="0" smtClean="0"/>
+                        <a:rPr lang="en-US" baseline="0" dirty="0"/>
                         <a:t> 12pm</a:t>
                       </a:r>
                       <a:endParaRPr lang="en-SG" dirty="0"/>
@@ -21187,7 +21180,7 @@
                     <a:p>
                       <a:pPr algn="ctr"/>
                       <a:r>
-                        <a:rPr lang="en-US" dirty="0" smtClean="0"/>
+                        <a:rPr lang="en-US" dirty="0"/>
                         <a:t>9 Aug, 12pm</a:t>
                       </a:r>
                       <a:endParaRPr lang="en-SG" dirty="0"/>
@@ -21197,7 +21190,7 @@
                 </a:tc>
                 <a:extLst>
                   <a:ext uri="{0D108BD9-81ED-4DB2-BD59-A6C34878D82A}">
-                    <a16:rowId xmlns="" xmlns:a16="http://schemas.microsoft.com/office/drawing/2014/main" val="196128480"/>
+                    <a16:rowId xmlns:a16="http://schemas.microsoft.com/office/drawing/2014/main" val="196128480"/>
                   </a:ext>
                 </a:extLst>
               </a:tr>
@@ -21208,11 +21201,11 @@
                     <a:lstStyle/>
                     <a:p>
                       <a:r>
-                        <a:rPr lang="en-US" dirty="0" smtClean="0"/>
+                        <a:rPr lang="en-US" dirty="0"/>
                         <a:t>Pre-Class Quiz</a:t>
                       </a:r>
                       <a:r>
-                        <a:rPr lang="en-US" baseline="0" dirty="0" smtClean="0"/>
+                        <a:rPr lang="en-US" baseline="0" dirty="0"/>
                         <a:t> 2</a:t>
                       </a:r>
                       <a:endParaRPr lang="en-SG" dirty="0"/>
@@ -21227,7 +21220,7 @@
                     <a:p>
                       <a:pPr algn="ctr"/>
                       <a:r>
-                        <a:rPr lang="en-US" dirty="0" smtClean="0"/>
+                        <a:rPr lang="en-US" dirty="0"/>
                         <a:t>2%</a:t>
                       </a:r>
                       <a:endParaRPr lang="en-SG" dirty="0"/>
@@ -21242,7 +21235,7 @@
                     <a:p>
                       <a:pPr algn="ctr"/>
                       <a:r>
-                        <a:rPr lang="en-US" dirty="0" smtClean="0"/>
+                        <a:rPr lang="en-US" dirty="0"/>
                         <a:t>16 Aug, 12pm</a:t>
                       </a:r>
                       <a:endParaRPr lang="en-SG" dirty="0"/>
@@ -21273,17 +21266,17 @@
                         <a:defRPr/>
                       </a:pPr>
                       <a:r>
-                        <a:rPr lang="en-US" dirty="0" smtClean="0"/>
+                        <a:rPr lang="en-US" dirty="0"/>
                         <a:t>23 Aug, 12pm</a:t>
                       </a:r>
-                      <a:endParaRPr lang="en-SG" dirty="0" smtClean="0"/>
+                      <a:endParaRPr lang="en-SG" dirty="0"/>
                     </a:p>
                   </a:txBody>
                   <a:tcPr anchor="ctr"/>
                 </a:tc>
                 <a:extLst>
                   <a:ext uri="{0D108BD9-81ED-4DB2-BD59-A6C34878D82A}">
-                    <a16:rowId xmlns="" xmlns:a16="http://schemas.microsoft.com/office/drawing/2014/main" val="4029903763"/>
+                    <a16:rowId xmlns:a16="http://schemas.microsoft.com/office/drawing/2014/main" val="4029903763"/>
                   </a:ext>
                 </a:extLst>
               </a:tr>
@@ -21294,11 +21287,11 @@
                     <a:lstStyle/>
                     <a:p>
                       <a:r>
-                        <a:rPr lang="en-US" dirty="0" smtClean="0"/>
+                        <a:rPr lang="en-US" dirty="0"/>
                         <a:t>Tutor</a:t>
                       </a:r>
                       <a:r>
-                        <a:rPr lang="en-US" baseline="0" dirty="0" smtClean="0"/>
+                        <a:rPr lang="en-US" baseline="0" dirty="0"/>
                         <a:t> Marked Assignment</a:t>
                       </a:r>
                       <a:endParaRPr lang="en-SG" dirty="0"/>
@@ -21313,7 +21306,7 @@
                     <a:p>
                       <a:pPr algn="ctr"/>
                       <a:r>
-                        <a:rPr lang="en-US" dirty="0" smtClean="0"/>
+                        <a:rPr lang="en-US" dirty="0"/>
                         <a:t>18%</a:t>
                       </a:r>
                       <a:endParaRPr lang="en-SG" dirty="0"/>
@@ -21339,8 +21332,8 @@
                     <a:p>
                       <a:pPr algn="ctr"/>
                       <a:r>
-                        <a:rPr lang="en-US" dirty="0" smtClean="0"/>
-                        <a:t>8 Aug, 1155 pm</a:t>
+                        <a:rPr lang="en-US" dirty="0"/>
+                        <a:t>15 Aug, 1155 pm</a:t>
                       </a:r>
                       <a:endParaRPr lang="en-SG" dirty="0"/>
                     </a:p>
@@ -21349,7 +21342,7 @@
                 </a:tc>
                 <a:extLst>
                   <a:ext uri="{0D108BD9-81ED-4DB2-BD59-A6C34878D82A}">
-                    <a16:rowId xmlns="" xmlns:a16="http://schemas.microsoft.com/office/drawing/2014/main" val="2065889755"/>
+                    <a16:rowId xmlns:a16="http://schemas.microsoft.com/office/drawing/2014/main" val="2065889755"/>
                   </a:ext>
                 </a:extLst>
               </a:tr>
@@ -21360,15 +21353,15 @@
                     <a:lstStyle/>
                     <a:p>
                       <a:r>
-                        <a:rPr lang="en-US" dirty="0" smtClean="0"/>
+                        <a:rPr lang="en-US" dirty="0"/>
                         <a:t>Group</a:t>
                       </a:r>
                       <a:r>
-                        <a:rPr lang="en-US" baseline="0" dirty="0" smtClean="0"/>
+                        <a:rPr lang="en-US" baseline="0" dirty="0"/>
                         <a:t> </a:t>
                       </a:r>
                       <a:r>
-                        <a:rPr lang="en-US" dirty="0" smtClean="0"/>
+                        <a:rPr lang="en-US" dirty="0"/>
                         <a:t>Based Assessment</a:t>
                       </a:r>
                       <a:endParaRPr lang="en-SG" dirty="0"/>
@@ -21383,7 +21376,7 @@
                     <a:p>
                       <a:pPr algn="ctr"/>
                       <a:r>
-                        <a:rPr lang="en-US" dirty="0" smtClean="0"/>
+                        <a:rPr lang="en-US" dirty="0"/>
                         <a:t>20%</a:t>
                       </a:r>
                       <a:endParaRPr lang="en-SG" dirty="0"/>
@@ -21409,8 +21402,8 @@
                     <a:p>
                       <a:pPr algn="ctr"/>
                       <a:r>
-                        <a:rPr lang="en-US" dirty="0" smtClean="0"/>
-                        <a:t>22 Aug, 1155 pm</a:t>
+                        <a:rPr lang="en-US" dirty="0"/>
+                        <a:t>29 Aug, 1155 pm</a:t>
                       </a:r>
                       <a:endParaRPr lang="en-SG" dirty="0"/>
                     </a:p>
@@ -21419,7 +21412,7 @@
                 </a:tc>
                 <a:extLst>
                   <a:ext uri="{0D108BD9-81ED-4DB2-BD59-A6C34878D82A}">
-                    <a16:rowId xmlns="" xmlns:a16="http://schemas.microsoft.com/office/drawing/2014/main" val="3821679047"/>
+                    <a16:rowId xmlns:a16="http://schemas.microsoft.com/office/drawing/2014/main" val="3821679047"/>
                   </a:ext>
                 </a:extLst>
               </a:tr>
@@ -21430,7 +21423,7 @@
                     <a:lstStyle/>
                     <a:p>
                       <a:r>
-                        <a:rPr lang="en-US" dirty="0" smtClean="0"/>
+                        <a:rPr lang="en-US" dirty="0"/>
                         <a:t>End-of-Course Assessment</a:t>
                       </a:r>
                       <a:endParaRPr lang="en-SG" dirty="0"/>
@@ -21445,7 +21438,7 @@
                     <a:p>
                       <a:pPr algn="ctr"/>
                       <a:r>
-                        <a:rPr lang="en-US" dirty="0" smtClean="0"/>
+                        <a:rPr lang="en-US" dirty="0"/>
                         <a:t>50%</a:t>
                       </a:r>
                       <a:endParaRPr lang="en-SG" dirty="0"/>
@@ -21487,17 +21480,17 @@
                         <a:defRPr/>
                       </a:pPr>
                       <a:r>
-                        <a:rPr lang="en-US" dirty="0" smtClean="0"/>
+                        <a:rPr lang="en-US" dirty="0"/>
                         <a:t>6 September 2021, 12 pm</a:t>
                       </a:r>
-                      <a:endParaRPr lang="en-SG" dirty="0" smtClean="0"/>
+                      <a:endParaRPr lang="en-SG" dirty="0"/>
                     </a:p>
                   </a:txBody>
                   <a:tcPr anchor="ctr"/>
                 </a:tc>
                 <a:extLst>
                   <a:ext uri="{0D108BD9-81ED-4DB2-BD59-A6C34878D82A}">
-                    <a16:rowId xmlns="" xmlns:a16="http://schemas.microsoft.com/office/drawing/2014/main" val="153666857"/>
+                    <a16:rowId xmlns:a16="http://schemas.microsoft.com/office/drawing/2014/main" val="153666857"/>
                   </a:ext>
                 </a:extLst>
               </a:tr>
@@ -21508,7 +21501,7 @@
                     <a:lstStyle/>
                     <a:p>
                       <a:r>
-                        <a:rPr lang="en-US" dirty="0" smtClean="0"/>
+                        <a:rPr lang="en-US" dirty="0"/>
                         <a:t>Participation </a:t>
                       </a:r>
                       <a:endParaRPr lang="en-SG" dirty="0"/>
@@ -21523,14 +21516,14 @@
                     <a:p>
                       <a:pPr algn="ctr"/>
                       <a:r>
-                        <a:rPr lang="en-US" dirty="0" smtClean="0"/>
+                        <a:rPr lang="en-US" dirty="0"/>
                         <a:t>6% </a:t>
                       </a:r>
                       <a:r>
-                        <a:rPr lang="en-SG" baseline="0" dirty="0" smtClean="0"/>
+                        <a:rPr lang="en-SG" baseline="0" dirty="0"/>
                         <a:t> (30% from class, 70% from forum)</a:t>
                       </a:r>
-                      <a:endParaRPr lang="en-US" dirty="0" smtClean="0"/>
+                      <a:endParaRPr lang="en-US" dirty="0"/>
                     </a:p>
                   </a:txBody>
                   <a:tcPr anchor="ctr"/>
@@ -21568,14 +21561,14 @@
                         <a:tabLst/>
                         <a:defRPr/>
                       </a:pPr>
-                      <a:endParaRPr lang="en-SG" dirty="0" smtClean="0"/>
+                      <a:endParaRPr lang="en-SG" dirty="0"/>
                     </a:p>
                   </a:txBody>
                   <a:tcPr anchor="ctr"/>
                 </a:tc>
                 <a:extLst>
                   <a:ext uri="{0D108BD9-81ED-4DB2-BD59-A6C34878D82A}">
-                    <a16:rowId xmlns="" xmlns:a16="http://schemas.microsoft.com/office/drawing/2014/main" val="2824512280"/>
+                    <a16:rowId xmlns:a16="http://schemas.microsoft.com/office/drawing/2014/main" val="2824512280"/>
                   </a:ext>
                 </a:extLst>
               </a:tr>
@@ -21741,7 +21734,7 @@
           <p:cNvPr id="8" name="Rectangle 7">
             <a:extLst>
               <a:ext uri="{FF2B5EF4-FFF2-40B4-BE49-F238E27FC236}">
-                <a16:creationId xmlns:a16="http://schemas.microsoft.com/office/drawing/2014/main" xmlns="" id="{BE311486-9F54-40F2-BAA5-EBF9E613A883}"/>
+                <a16:creationId xmlns:a16="http://schemas.microsoft.com/office/drawing/2014/main" id="{BE311486-9F54-40F2-BAA5-EBF9E613A883}"/>
               </a:ext>
             </a:extLst>
           </p:cNvPr>
@@ -21839,7 +21832,7 @@
           <p:cNvPr id="6" name="Rectangle 5">
             <a:extLst>
               <a:ext uri="{FF2B5EF4-FFF2-40B4-BE49-F238E27FC236}">
-                <a16:creationId xmlns:a16="http://schemas.microsoft.com/office/drawing/2014/main" xmlns="" id="{202511EA-78E6-4FCC-A7B8-A36826559CDE}"/>
+                <a16:creationId xmlns:a16="http://schemas.microsoft.com/office/drawing/2014/main" id="{202511EA-78E6-4FCC-A7B8-A36826559CDE}"/>
               </a:ext>
             </a:extLst>
           </p:cNvPr>
@@ -21917,7 +21910,7 @@
           <p:cNvPr id="7" name="Rectangle 6">
             <a:extLst>
               <a:ext uri="{FF2B5EF4-FFF2-40B4-BE49-F238E27FC236}">
-                <a16:creationId xmlns:a16="http://schemas.microsoft.com/office/drawing/2014/main" xmlns="" id="{34FFFC45-D23E-4620-8F17-A8574B14DC9F}"/>
+                <a16:creationId xmlns:a16="http://schemas.microsoft.com/office/drawing/2014/main" id="{34FFFC45-D23E-4620-8F17-A8574B14DC9F}"/>
               </a:ext>
             </a:extLst>
           </p:cNvPr>
@@ -23127,7 +23120,7 @@
           <p:cNvPr id="8" name="Rectangle 7">
             <a:extLst>
               <a:ext uri="{FF2B5EF4-FFF2-40B4-BE49-F238E27FC236}">
-                <a16:creationId xmlns:a16="http://schemas.microsoft.com/office/drawing/2014/main" xmlns="" id="{BE311486-9F54-40F2-BAA5-EBF9E613A883}"/>
+                <a16:creationId xmlns:a16="http://schemas.microsoft.com/office/drawing/2014/main" id="{BE311486-9F54-40F2-BAA5-EBF9E613A883}"/>
               </a:ext>
             </a:extLst>
           </p:cNvPr>
@@ -23250,7 +23243,7 @@
           <p:cNvPr id="9" name="Rectangle 8">
             <a:extLst>
               <a:ext uri="{FF2B5EF4-FFF2-40B4-BE49-F238E27FC236}">
-                <a16:creationId xmlns:a16="http://schemas.microsoft.com/office/drawing/2014/main" xmlns="" id="{ED0D70CD-C90A-4AC3-8E47-84F8D8859DFB}"/>
+                <a16:creationId xmlns:a16="http://schemas.microsoft.com/office/drawing/2014/main" id="{ED0D70CD-C90A-4AC3-8E47-84F8D8859DFB}"/>
               </a:ext>
             </a:extLst>
           </p:cNvPr>
@@ -23562,7 +23555,7 @@
           <p:cNvPr id="7" name="Rectangle 6">
             <a:extLst>
               <a:ext uri="{FF2B5EF4-FFF2-40B4-BE49-F238E27FC236}">
-                <a16:creationId xmlns:a16="http://schemas.microsoft.com/office/drawing/2014/main" xmlns="" id="{7B16BB64-CC12-4A5D-AA9E-5981860288B5}"/>
+                <a16:creationId xmlns:a16="http://schemas.microsoft.com/office/drawing/2014/main" id="{7B16BB64-CC12-4A5D-AA9E-5981860288B5}"/>
               </a:ext>
             </a:extLst>
           </p:cNvPr>
@@ -24102,7 +24095,7 @@
           <p:cNvPr id="7" name="Rectangle 6">
             <a:extLst>
               <a:ext uri="{FF2B5EF4-FFF2-40B4-BE49-F238E27FC236}">
-                <a16:creationId xmlns:a16="http://schemas.microsoft.com/office/drawing/2014/main" xmlns="" id="{7B16BB64-CC12-4A5D-AA9E-5981860288B5}"/>
+                <a16:creationId xmlns:a16="http://schemas.microsoft.com/office/drawing/2014/main" id="{7B16BB64-CC12-4A5D-AA9E-5981860288B5}"/>
               </a:ext>
             </a:extLst>
           </p:cNvPr>
@@ -24216,7 +24209,7 @@
           <p:cNvPr id="6" name="Rectangle 5">
             <a:extLst>
               <a:ext uri="{FF2B5EF4-FFF2-40B4-BE49-F238E27FC236}">
-                <a16:creationId xmlns:a16="http://schemas.microsoft.com/office/drawing/2014/main" xmlns="" id="{32ADEC69-0744-4D34-ADE6-3E5CC553B376}"/>
+                <a16:creationId xmlns:a16="http://schemas.microsoft.com/office/drawing/2014/main" id="{32ADEC69-0744-4D34-ADE6-3E5CC553B376}"/>
               </a:ext>
             </a:extLst>
           </p:cNvPr>
@@ -24325,7 +24318,7 @@
           <p:cNvPr id="8" name="Rectangle 7">
             <a:extLst>
               <a:ext uri="{FF2B5EF4-FFF2-40B4-BE49-F238E27FC236}">
-                <a16:creationId xmlns:a16="http://schemas.microsoft.com/office/drawing/2014/main" xmlns="" id="{B3C68B92-E63D-4A40-9A61-328562B31379}"/>
+                <a16:creationId xmlns:a16="http://schemas.microsoft.com/office/drawing/2014/main" id="{B3C68B92-E63D-4A40-9A61-328562B31379}"/>
               </a:ext>
             </a:extLst>
           </p:cNvPr>
@@ -24418,7 +24411,7 @@
           <p:cNvPr id="9" name="Rectangle 8">
             <a:extLst>
               <a:ext uri="{FF2B5EF4-FFF2-40B4-BE49-F238E27FC236}">
-                <a16:creationId xmlns:a16="http://schemas.microsoft.com/office/drawing/2014/main" xmlns="" id="{5679509E-E57A-481E-9C99-9B7AD4A01D28}"/>
+                <a16:creationId xmlns:a16="http://schemas.microsoft.com/office/drawing/2014/main" id="{5679509E-E57A-481E-9C99-9B7AD4A01D28}"/>
               </a:ext>
             </a:extLst>
           </p:cNvPr>
@@ -24672,7 +24665,7 @@
           <p:cNvPr id="3" name="Title 2">
             <a:extLst>
               <a:ext uri="{FF2B5EF4-FFF2-40B4-BE49-F238E27FC236}">
-                <a16:creationId xmlns:a16="http://schemas.microsoft.com/office/drawing/2014/main" xmlns="" id="{0A99B643-6127-4AF4-B3E6-9F913F39A1AA}"/>
+                <a16:creationId xmlns:a16="http://schemas.microsoft.com/office/drawing/2014/main" id="{0A99B643-6127-4AF4-B3E6-9F913F39A1AA}"/>
               </a:ext>
             </a:extLst>
           </p:cNvPr>
@@ -24824,7 +24817,7 @@
           <p:cNvPr id="5122" name="Title 1">
             <a:extLst>
               <a:ext uri="{FF2B5EF4-FFF2-40B4-BE49-F238E27FC236}">
-                <a16:creationId xmlns:a16="http://schemas.microsoft.com/office/drawing/2014/main" xmlns="" id="{2DF29706-0BF6-40D2-8B1C-3EC71B2E0102}"/>
+                <a16:creationId xmlns:a16="http://schemas.microsoft.com/office/drawing/2014/main" id="{2DF29706-0BF6-40D2-8B1C-3EC71B2E0102}"/>
               </a:ext>
             </a:extLst>
           </p:cNvPr>
@@ -25059,7 +25052,7 @@
           <p:cNvPr id="5" name="Rectangle 4">
             <a:extLst>
               <a:ext uri="{FF2B5EF4-FFF2-40B4-BE49-F238E27FC236}">
-                <a16:creationId xmlns:a16="http://schemas.microsoft.com/office/drawing/2014/main" xmlns="" id="{05F265B0-DB57-47C7-8399-8F6780621020}"/>
+                <a16:creationId xmlns:a16="http://schemas.microsoft.com/office/drawing/2014/main" id="{05F265B0-DB57-47C7-8399-8F6780621020}"/>
               </a:ext>
             </a:extLst>
           </p:cNvPr>
@@ -25228,25 +25221,8 @@
                 <a:latin typeface="Roboto Medium" panose="02000000000000000000" pitchFamily="2" charset="0"/>
                 <a:ea typeface="Roboto Medium" panose="02000000000000000000" pitchFamily="2" charset="0"/>
               </a:rPr>
-              <a:t>ANL </a:t>
-            </a:r>
-            <a:r>
-              <a:rPr lang="en-GB" sz="4300" dirty="0" smtClean="0">
-                <a:solidFill>
-                  <a:srgbClr val="DA291C"/>
-                </a:solidFill>
-                <a:latin typeface="Roboto Medium" panose="02000000000000000000" pitchFamily="2" charset="0"/>
-                <a:ea typeface="Roboto Medium" panose="02000000000000000000" pitchFamily="2" charset="0"/>
-              </a:rPr>
-              <a:t>252</a:t>
-            </a:r>
-            <a:endParaRPr lang="en-GB" sz="4300" dirty="0">
-              <a:solidFill>
-                <a:srgbClr val="DA291C"/>
-              </a:solidFill>
-              <a:latin typeface="Roboto Medium" panose="02000000000000000000" pitchFamily="2" charset="0"/>
-              <a:ea typeface="Roboto Medium" panose="02000000000000000000" pitchFamily="2" charset="0"/>
-            </a:endParaRPr>
+              <a:t>ANL 252</a:t>
+            </a:r>
           </a:p>
         </p:txBody>
       </p:sp>
@@ -25273,35 +25249,35 @@
           <a:lstStyle/>
           <a:p>
             <a:r>
-              <a:rPr lang="en-GB" i="1" dirty="0" smtClean="0">
+              <a:rPr lang="en-GB" i="1" dirty="0">
                 <a:latin typeface="Roboto Medium" panose="02000000000000000000" pitchFamily="2" charset="0"/>
                 <a:ea typeface="Roboto Medium" panose="02000000000000000000" pitchFamily="2" charset="0"/>
               </a:rPr>
               <a:t>Faculty: </a:t>
             </a:r>
             <a:r>
-              <a:rPr lang="en-GB" i="1" dirty="0" err="1" smtClean="0">
+              <a:rPr lang="en-GB" i="1" dirty="0" err="1">
                 <a:latin typeface="Roboto Medium" panose="02000000000000000000" pitchFamily="2" charset="0"/>
                 <a:ea typeface="Roboto Medium" panose="02000000000000000000" pitchFamily="2" charset="0"/>
               </a:rPr>
               <a:t>Dr.</a:t>
             </a:r>
             <a:r>
-              <a:rPr lang="en-GB" i="1" dirty="0" smtClean="0">
+              <a:rPr lang="en-GB" i="1" dirty="0">
                 <a:latin typeface="Roboto Medium" panose="02000000000000000000" pitchFamily="2" charset="0"/>
                 <a:ea typeface="Roboto Medium" panose="02000000000000000000" pitchFamily="2" charset="0"/>
               </a:rPr>
               <a:t> </a:t>
             </a:r>
             <a:r>
-              <a:rPr lang="en-GB" i="1" dirty="0" err="1" smtClean="0">
+              <a:rPr lang="en-GB" i="1" dirty="0" err="1">
                 <a:latin typeface="Roboto Medium" panose="02000000000000000000" pitchFamily="2" charset="0"/>
                 <a:ea typeface="Roboto Medium" panose="02000000000000000000" pitchFamily="2" charset="0"/>
               </a:rPr>
               <a:t>Munish</a:t>
             </a:r>
             <a:r>
-              <a:rPr lang="en-GB" i="1" dirty="0" smtClean="0">
+              <a:rPr lang="en-GB" i="1" dirty="0">
                 <a:latin typeface="Roboto Medium" panose="02000000000000000000" pitchFamily="2" charset="0"/>
                 <a:ea typeface="Roboto Medium" panose="02000000000000000000" pitchFamily="2" charset="0"/>
               </a:rPr>
@@ -25310,23 +25286,12 @@
           </a:p>
           <a:p>
             <a:r>
-              <a:rPr lang="en-GB" i="1" dirty="0" smtClean="0">
+              <a:rPr lang="en-GB" i="1" dirty="0">
                 <a:latin typeface="Roboto Medium" panose="02000000000000000000" pitchFamily="2" charset="0"/>
                 <a:ea typeface="Roboto Medium" panose="02000000000000000000" pitchFamily="2" charset="0"/>
               </a:rPr>
-              <a:t>Session </a:t>
-            </a:r>
-            <a:r>
-              <a:rPr lang="en-GB" i="1" dirty="0" smtClean="0">
-                <a:latin typeface="Roboto Medium" panose="02000000000000000000" pitchFamily="2" charset="0"/>
-                <a:ea typeface="Roboto Medium" panose="02000000000000000000" pitchFamily="2" charset="0"/>
-              </a:rPr>
-              <a:t>6: Introduction to SQL and SQLlite3</a:t>
-            </a:r>
-            <a:endParaRPr lang="en-GB" i="1" dirty="0">
-              <a:latin typeface="Roboto Medium" panose="02000000000000000000" pitchFamily="2" charset="0"/>
-              <a:ea typeface="Roboto Medium" panose="02000000000000000000" pitchFamily="2" charset="0"/>
-            </a:endParaRPr>
+              <a:t>Session 6: Introduction to SQL and SQLlite3</a:t>
+            </a:r>
           </a:p>
         </p:txBody>
       </p:sp>
@@ -25335,7 +25300,7 @@
           <p:cNvPr id="2" name="TextBox 1">
             <a:extLst>
               <a:ext uri="{FF2B5EF4-FFF2-40B4-BE49-F238E27FC236}">
-                <a16:creationId xmlns="" xmlns:a16="http://schemas.microsoft.com/office/drawing/2014/main" id="{88166380-F6E3-4D4E-AF38-9624C872CD2B}"/>
+                <a16:creationId xmlns:a16="http://schemas.microsoft.com/office/drawing/2014/main" id="{88166380-F6E3-4D4E-AF38-9624C872CD2B}"/>
               </a:ext>
             </a:extLst>
           </p:cNvPr>
@@ -25360,7 +25325,7 @@
           <a:p>
             <a:pPr defTabSz="457200"/>
             <a:r>
-              <a:rPr lang="en-US" sz="1200" dirty="0" smtClean="0">
+              <a:rPr lang="en-US" sz="1200" dirty="0">
                 <a:solidFill>
                   <a:srgbClr val="99D6EA"/>
                 </a:solidFill>
@@ -25369,13 +25334,6 @@
               </a:rPr>
               <a:t>August 2021</a:t>
             </a:r>
-            <a:endParaRPr lang="en-US" sz="1200" dirty="0">
-              <a:solidFill>
-                <a:srgbClr val="99D6EA"/>
-              </a:solidFill>
-              <a:latin typeface="Roboto Medium" panose="02000000000000000000" pitchFamily="2" charset="0"/>
-              <a:ea typeface="Roboto Medium" panose="02000000000000000000" pitchFamily="2" charset="0"/>
-            </a:endParaRPr>
           </a:p>
         </p:txBody>
       </p:sp>
@@ -25599,7 +25557,7 @@
           <p:cNvPr id="5" name="Rectangle 4">
             <a:extLst>
               <a:ext uri="{FF2B5EF4-FFF2-40B4-BE49-F238E27FC236}">
-                <a16:creationId xmlns:a16="http://schemas.microsoft.com/office/drawing/2014/main" xmlns="" id="{31C505F1-8260-4F6E-9EFB-709244B07FD7}"/>
+                <a16:creationId xmlns:a16="http://schemas.microsoft.com/office/drawing/2014/main" id="{31C505F1-8260-4F6E-9EFB-709244B07FD7}"/>
               </a:ext>
             </a:extLst>
           </p:cNvPr>
@@ -25705,15 +25663,6 @@
                 <a:cs typeface="Times New Roman" panose="02020603050405020304" pitchFamily="18" charset="0"/>
               </a:rPr>
               <a:t>from_records</a:t>
-            </a:r>
-            <a:r>
-              <a:rPr lang="en-GB" sz="2000" dirty="0">
-                <a:effectLst/>
-                <a:latin typeface="Consolas" panose="020B0609020204030204" pitchFamily="49" charset="0"/>
-                <a:ea typeface="SimSun" panose="02010600030101010101" pitchFamily="2" charset="-122"/>
-                <a:cs typeface="Times New Roman" panose="02020603050405020304" pitchFamily="18" charset="0"/>
-              </a:rPr>
-              <a:t/>
             </a:r>
             <a:br>
               <a:rPr lang="en-GB" sz="2000" dirty="0">
@@ -26006,7 +25955,7 @@
           <p:cNvPr id="8" name="Rectangle 7">
             <a:extLst>
               <a:ext uri="{FF2B5EF4-FFF2-40B4-BE49-F238E27FC236}">
-                <a16:creationId xmlns:a16="http://schemas.microsoft.com/office/drawing/2014/main" xmlns="" id="{BE311486-9F54-40F2-BAA5-EBF9E613A883}"/>
+                <a16:creationId xmlns:a16="http://schemas.microsoft.com/office/drawing/2014/main" id="{BE311486-9F54-40F2-BAA5-EBF9E613A883}"/>
               </a:ext>
             </a:extLst>
           </p:cNvPr>
@@ -26344,7 +26293,7 @@
           <p:cNvPr id="8" name="Rectangle 7">
             <a:extLst>
               <a:ext uri="{FF2B5EF4-FFF2-40B4-BE49-F238E27FC236}">
-                <a16:creationId xmlns:a16="http://schemas.microsoft.com/office/drawing/2014/main" xmlns="" id="{BE311486-9F54-40F2-BAA5-EBF9E613A883}"/>
+                <a16:creationId xmlns:a16="http://schemas.microsoft.com/office/drawing/2014/main" id="{BE311486-9F54-40F2-BAA5-EBF9E613A883}"/>
               </a:ext>
             </a:extLst>
           </p:cNvPr>
@@ -26779,7 +26728,7 @@
           <p:cNvPr id="6" name="Table 5">
             <a:extLst>
               <a:ext uri="{FF2B5EF4-FFF2-40B4-BE49-F238E27FC236}">
-                <a16:creationId xmlns:a16="http://schemas.microsoft.com/office/drawing/2014/main" xmlns="" id="{E94C4A34-516E-42E8-A6AF-50981EECA45C}"/>
+                <a16:creationId xmlns:a16="http://schemas.microsoft.com/office/drawing/2014/main" id="{E94C4A34-516E-42E8-A6AF-50981EECA45C}"/>
               </a:ext>
             </a:extLst>
           </p:cNvPr>
@@ -26802,14 +26751,14 @@
                 <a:gridCol w="1926019">
                   <a:extLst>
                     <a:ext uri="{9D8B030D-6E8A-4147-A177-3AD203B41FA5}">
-                      <a16:colId xmlns:a16="http://schemas.microsoft.com/office/drawing/2014/main" xmlns="" val="3700328670"/>
+                      <a16:colId xmlns:a16="http://schemas.microsoft.com/office/drawing/2014/main" val="3700328670"/>
                     </a:ext>
                   </a:extLst>
                 </a:gridCol>
                 <a:gridCol w="6303581">
                   <a:extLst>
                     <a:ext uri="{9D8B030D-6E8A-4147-A177-3AD203B41FA5}">
-                      <a16:colId xmlns:a16="http://schemas.microsoft.com/office/drawing/2014/main" xmlns="" val="1363334099"/>
+                      <a16:colId xmlns:a16="http://schemas.microsoft.com/office/drawing/2014/main" val="1363334099"/>
                     </a:ext>
                   </a:extLst>
                 </a:gridCol>
@@ -26907,7 +26856,7 @@
                 </a:tc>
                 <a:extLst>
                   <a:ext uri="{0D108BD9-81ED-4DB2-BD59-A6C34878D82A}">
-                    <a16:rowId xmlns:a16="http://schemas.microsoft.com/office/drawing/2014/main" xmlns="" val="4258309476"/>
+                    <a16:rowId xmlns:a16="http://schemas.microsoft.com/office/drawing/2014/main" val="4258309476"/>
                   </a:ext>
                 </a:extLst>
               </a:tr>
@@ -27010,7 +26959,7 @@
                 </a:tc>
                 <a:extLst>
                   <a:ext uri="{0D108BD9-81ED-4DB2-BD59-A6C34878D82A}">
-                    <a16:rowId xmlns:a16="http://schemas.microsoft.com/office/drawing/2014/main" xmlns="" val="2421748575"/>
+                    <a16:rowId xmlns:a16="http://schemas.microsoft.com/office/drawing/2014/main" val="2421748575"/>
                   </a:ext>
                 </a:extLst>
               </a:tr>
@@ -27113,7 +27062,7 @@
                 </a:tc>
                 <a:extLst>
                   <a:ext uri="{0D108BD9-81ED-4DB2-BD59-A6C34878D82A}">
-                    <a16:rowId xmlns:a16="http://schemas.microsoft.com/office/drawing/2014/main" xmlns="" val="1184041938"/>
+                    <a16:rowId xmlns:a16="http://schemas.microsoft.com/office/drawing/2014/main" val="1184041938"/>
                   </a:ext>
                 </a:extLst>
               </a:tr>
@@ -27216,7 +27165,7 @@
                 </a:tc>
                 <a:extLst>
                   <a:ext uri="{0D108BD9-81ED-4DB2-BD59-A6C34878D82A}">
-                    <a16:rowId xmlns:a16="http://schemas.microsoft.com/office/drawing/2014/main" xmlns="" val="749895259"/>
+                    <a16:rowId xmlns:a16="http://schemas.microsoft.com/office/drawing/2014/main" val="749895259"/>
                   </a:ext>
                 </a:extLst>
               </a:tr>
@@ -27319,7 +27268,7 @@
                 </a:tc>
                 <a:extLst>
                   <a:ext uri="{0D108BD9-81ED-4DB2-BD59-A6C34878D82A}">
-                    <a16:rowId xmlns:a16="http://schemas.microsoft.com/office/drawing/2014/main" xmlns="" val="2414919808"/>
+                    <a16:rowId xmlns:a16="http://schemas.microsoft.com/office/drawing/2014/main" val="2414919808"/>
                   </a:ext>
                 </a:extLst>
               </a:tr>
@@ -27422,7 +27371,7 @@
                 </a:tc>
                 <a:extLst>
                   <a:ext uri="{0D108BD9-81ED-4DB2-BD59-A6C34878D82A}">
-                    <a16:rowId xmlns:a16="http://schemas.microsoft.com/office/drawing/2014/main" xmlns="" val="914462438"/>
+                    <a16:rowId xmlns:a16="http://schemas.microsoft.com/office/drawing/2014/main" val="914462438"/>
                   </a:ext>
                 </a:extLst>
               </a:tr>
@@ -27546,7 +27495,7 @@
                 </a:tc>
                 <a:extLst>
                   <a:ext uri="{0D108BD9-81ED-4DB2-BD59-A6C34878D82A}">
-                    <a16:rowId xmlns:a16="http://schemas.microsoft.com/office/drawing/2014/main" xmlns="" val="1113212856"/>
+                    <a16:rowId xmlns:a16="http://schemas.microsoft.com/office/drawing/2014/main" val="1113212856"/>
                   </a:ext>
                 </a:extLst>
               </a:tr>
@@ -27649,7 +27598,7 @@
                 </a:tc>
                 <a:extLst>
                   <a:ext uri="{0D108BD9-81ED-4DB2-BD59-A6C34878D82A}">
-                    <a16:rowId xmlns:a16="http://schemas.microsoft.com/office/drawing/2014/main" xmlns="" val="2517552096"/>
+                    <a16:rowId xmlns:a16="http://schemas.microsoft.com/office/drawing/2014/main" val="2517552096"/>
                   </a:ext>
                 </a:extLst>
               </a:tr>
@@ -27752,7 +27701,7 @@
                 </a:tc>
                 <a:extLst>
                   <a:ext uri="{0D108BD9-81ED-4DB2-BD59-A6C34878D82A}">
-                    <a16:rowId xmlns:a16="http://schemas.microsoft.com/office/drawing/2014/main" xmlns="" val="879617899"/>
+                    <a16:rowId xmlns:a16="http://schemas.microsoft.com/office/drawing/2014/main" val="879617899"/>
                   </a:ext>
                 </a:extLst>
               </a:tr>
@@ -27855,7 +27804,7 @@
                 </a:tc>
                 <a:extLst>
                   <a:ext uri="{0D108BD9-81ED-4DB2-BD59-A6C34878D82A}">
-                    <a16:rowId xmlns:a16="http://schemas.microsoft.com/office/drawing/2014/main" xmlns="" val="3847234301"/>
+                    <a16:rowId xmlns:a16="http://schemas.microsoft.com/office/drawing/2014/main" val="3847234301"/>
                   </a:ext>
                 </a:extLst>
               </a:tr>
@@ -28123,7 +28072,7 @@
           <p:cNvPr id="8" name="Rectangle 7">
             <a:extLst>
               <a:ext uri="{FF2B5EF4-FFF2-40B4-BE49-F238E27FC236}">
-                <a16:creationId xmlns:a16="http://schemas.microsoft.com/office/drawing/2014/main" xmlns="" id="{BE311486-9F54-40F2-BAA5-EBF9E613A883}"/>
+                <a16:creationId xmlns:a16="http://schemas.microsoft.com/office/drawing/2014/main" id="{BE311486-9F54-40F2-BAA5-EBF9E613A883}"/>
               </a:ext>
             </a:extLst>
           </p:cNvPr>
@@ -28407,7 +28356,7 @@
           <p:cNvPr id="8" name="Rectangle 7">
             <a:extLst>
               <a:ext uri="{FF2B5EF4-FFF2-40B4-BE49-F238E27FC236}">
-                <a16:creationId xmlns:a16="http://schemas.microsoft.com/office/drawing/2014/main" xmlns="" id="{BE311486-9F54-40F2-BAA5-EBF9E613A883}"/>
+                <a16:creationId xmlns:a16="http://schemas.microsoft.com/office/drawing/2014/main" id="{BE311486-9F54-40F2-BAA5-EBF9E613A883}"/>
               </a:ext>
             </a:extLst>
           </p:cNvPr>
@@ -28707,7 +28656,7 @@
           <p:cNvPr id="3" name="Title 2">
             <a:extLst>
               <a:ext uri="{FF2B5EF4-FFF2-40B4-BE49-F238E27FC236}">
-                <a16:creationId xmlns:a16="http://schemas.microsoft.com/office/drawing/2014/main" xmlns="" id="{0A99B643-6127-4AF4-B3E6-9F913F39A1AA}"/>
+                <a16:creationId xmlns:a16="http://schemas.microsoft.com/office/drawing/2014/main" id="{0A99B643-6127-4AF4-B3E6-9F913F39A1AA}"/>
               </a:ext>
             </a:extLst>
           </p:cNvPr>
@@ -28941,7 +28890,7 @@
           <p:cNvPr id="5122" name="Title 1">
             <a:extLst>
               <a:ext uri="{FF2B5EF4-FFF2-40B4-BE49-F238E27FC236}">
-                <a16:creationId xmlns:a16="http://schemas.microsoft.com/office/drawing/2014/main" xmlns="" id="{2DF29706-0BF6-40D2-8B1C-3EC71B2E0102}"/>
+                <a16:creationId xmlns:a16="http://schemas.microsoft.com/office/drawing/2014/main" id="{2DF29706-0BF6-40D2-8B1C-3EC71B2E0102}"/>
               </a:ext>
             </a:extLst>
           </p:cNvPr>
@@ -29253,7 +29202,7 @@
           <p:cNvPr id="5" name="Rectangle 4">
             <a:extLst>
               <a:ext uri="{FF2B5EF4-FFF2-40B4-BE49-F238E27FC236}">
-                <a16:creationId xmlns:a16="http://schemas.microsoft.com/office/drawing/2014/main" xmlns="" id="{05F265B0-DB57-47C7-8399-8F6780621020}"/>
+                <a16:creationId xmlns:a16="http://schemas.microsoft.com/office/drawing/2014/main" id="{05F265B0-DB57-47C7-8399-8F6780621020}"/>
               </a:ext>
             </a:extLst>
           </p:cNvPr>
@@ -29648,11 +29597,7 @@
           <a:p>
             <a:r>
               <a:rPr lang="en-US" sz="2000" dirty="0"/>
-              <a:t>By the end of this </a:t>
-            </a:r>
-            <a:r>
-              <a:rPr lang="en-US" sz="2000" dirty="0" smtClean="0"/>
-              <a:t>Session</a:t>
+              <a:t>By the end of this Session</a:t>
             </a:r>
             <a:endParaRPr lang="en-SG" sz="2000" dirty="0"/>
           </a:p>
@@ -29708,12 +29653,8 @@
               <a:buAutoNum type="arabicPeriod"/>
             </a:pPr>
             <a:r>
-              <a:rPr lang="en-US" sz="1800" dirty="0" smtClean="0"/>
-              <a:t>Explain </a:t>
-            </a:r>
-            <a:r>
               <a:rPr lang="en-US" sz="1800" dirty="0"/>
-              <a:t>the operations on tables in databases</a:t>
+              <a:t>Explain the operations on tables in databases</a:t>
             </a:r>
           </a:p>
           <a:p>
@@ -29722,12 +29663,8 @@
               <a:buAutoNum type="arabicPeriod"/>
             </a:pPr>
             <a:r>
-              <a:rPr lang="en-US" sz="1800" dirty="0" smtClean="0"/>
-              <a:t>Design </a:t>
-            </a:r>
-            <a:r>
               <a:rPr lang="en-US" sz="1800" dirty="0"/>
-              <a:t>Python </a:t>
+              <a:t>Design Python </a:t>
             </a:r>
             <a:r>
               <a:rPr lang="en-US" sz="1800" dirty="0" err="1"/>
@@ -29740,7 +29677,7 @@
           </a:p>
           <a:p>
             <a:pPr marL="0" indent="0"/>
-            <a:endParaRPr lang="en-US" altLang="en-US" dirty="0" smtClean="0">
+            <a:endParaRPr lang="en-US" altLang="en-US" dirty="0">
               <a:latin typeface="Lucida Sans" panose="020B0602030504020204" pitchFamily="34" charset="0"/>
               <a:ea typeface="ヒラギノ角ゴ Pro W3"/>
               <a:cs typeface="ヒラギノ角ゴ Pro W3"/>
@@ -30020,7 +29957,7 @@
           <p:cNvPr id="5" name="Rectangle 4">
             <a:extLst>
               <a:ext uri="{FF2B5EF4-FFF2-40B4-BE49-F238E27FC236}">
-                <a16:creationId xmlns:a16="http://schemas.microsoft.com/office/drawing/2014/main" xmlns="" id="{05F265B0-DB57-47C7-8399-8F6780621020}"/>
+                <a16:creationId xmlns:a16="http://schemas.microsoft.com/office/drawing/2014/main" id="{05F265B0-DB57-47C7-8399-8F6780621020}"/>
               </a:ext>
             </a:extLst>
           </p:cNvPr>
@@ -30731,7 +30668,7 @@
           <p:cNvPr id="5" name="Rectangle 4">
             <a:extLst>
               <a:ext uri="{FF2B5EF4-FFF2-40B4-BE49-F238E27FC236}">
-                <a16:creationId xmlns:a16="http://schemas.microsoft.com/office/drawing/2014/main" xmlns="" id="{05F265B0-DB57-47C7-8399-8F6780621020}"/>
+                <a16:creationId xmlns:a16="http://schemas.microsoft.com/office/drawing/2014/main" id="{05F265B0-DB57-47C7-8399-8F6780621020}"/>
               </a:ext>
             </a:extLst>
           </p:cNvPr>
@@ -30920,7 +30857,7 @@
           <p:cNvPr id="6" name="Rectangle 5">
             <a:extLst>
               <a:ext uri="{FF2B5EF4-FFF2-40B4-BE49-F238E27FC236}">
-                <a16:creationId xmlns:a16="http://schemas.microsoft.com/office/drawing/2014/main" xmlns="" id="{2067FDBD-CFF9-49F7-82DE-88B4673529F6}"/>
+                <a16:creationId xmlns:a16="http://schemas.microsoft.com/office/drawing/2014/main" id="{2067FDBD-CFF9-49F7-82DE-88B4673529F6}"/>
               </a:ext>
             </a:extLst>
           </p:cNvPr>
@@ -31657,7 +31594,7 @@
           <p:cNvPr id="5" name="Rectangle 4">
             <a:extLst>
               <a:ext uri="{FF2B5EF4-FFF2-40B4-BE49-F238E27FC236}">
-                <a16:creationId xmlns:a16="http://schemas.microsoft.com/office/drawing/2014/main" xmlns="" id="{05F265B0-DB57-47C7-8399-8F6780621020}"/>
+                <a16:creationId xmlns:a16="http://schemas.microsoft.com/office/drawing/2014/main" id="{05F265B0-DB57-47C7-8399-8F6780621020}"/>
               </a:ext>
             </a:extLst>
           </p:cNvPr>
@@ -31965,7 +31902,7 @@
           <p:cNvPr id="5" name="Rectangle 4">
             <a:extLst>
               <a:ext uri="{FF2B5EF4-FFF2-40B4-BE49-F238E27FC236}">
-                <a16:creationId xmlns:a16="http://schemas.microsoft.com/office/drawing/2014/main" xmlns="" id="{05F265B0-DB57-47C7-8399-8F6780621020}"/>
+                <a16:creationId xmlns:a16="http://schemas.microsoft.com/office/drawing/2014/main" id="{05F265B0-DB57-47C7-8399-8F6780621020}"/>
               </a:ext>
             </a:extLst>
           </p:cNvPr>
@@ -32737,7 +32674,7 @@
           <p:cNvPr id="3" name="Title 2">
             <a:extLst>
               <a:ext uri="{FF2B5EF4-FFF2-40B4-BE49-F238E27FC236}">
-                <a16:creationId xmlns:a16="http://schemas.microsoft.com/office/drawing/2014/main" xmlns="" id="{0A99B643-6127-4AF4-B3E6-9F913F39A1AA}"/>
+                <a16:creationId xmlns:a16="http://schemas.microsoft.com/office/drawing/2014/main" id="{0A99B643-6127-4AF4-B3E6-9F913F39A1AA}"/>
               </a:ext>
             </a:extLst>
           </p:cNvPr>
@@ -32915,7 +32852,7 @@
           <p:cNvPr id="5122" name="Title 1">
             <a:extLst>
               <a:ext uri="{FF2B5EF4-FFF2-40B4-BE49-F238E27FC236}">
-                <a16:creationId xmlns:a16="http://schemas.microsoft.com/office/drawing/2014/main" xmlns="" id="{2DF29706-0BF6-40D2-8B1C-3EC71B2E0102}"/>
+                <a16:creationId xmlns:a16="http://schemas.microsoft.com/office/drawing/2014/main" id="{2DF29706-0BF6-40D2-8B1C-3EC71B2E0102}"/>
               </a:ext>
             </a:extLst>
           </p:cNvPr>
@@ -33011,7 +32948,7 @@
           <p:cNvPr id="2" name="Title 1">
             <a:extLst>
               <a:ext uri="{FF2B5EF4-FFF2-40B4-BE49-F238E27FC236}">
-                <a16:creationId xmlns:a16="http://schemas.microsoft.com/office/drawing/2014/main" xmlns="" id="{344F3EA4-3F28-4BD5-A8B1-5992ED3EADE0}"/>
+                <a16:creationId xmlns:a16="http://schemas.microsoft.com/office/drawing/2014/main" id="{344F3EA4-3F28-4BD5-A8B1-5992ED3EADE0}"/>
               </a:ext>
             </a:extLst>
           </p:cNvPr>
@@ -33077,13 +33014,6 @@
                 <a:cs typeface="Lucida Sans" panose="020B0602040502020204" pitchFamily="34" charset="0"/>
               </a:rPr>
             </a:br>
-            <a:r>
-              <a:rPr lang="en-US" altLang="en-US" sz="2400" dirty="0">
-                <a:ea typeface="ヒラギノ角ゴ Pro W3"/>
-                <a:cs typeface="Lucida Sans" panose="020B0602040502020204" pitchFamily="34" charset="0"/>
-              </a:rPr>
-              <a:t/>
-            </a:r>
             <a:br>
               <a:rPr lang="en-US" altLang="en-US" sz="2400" dirty="0">
                 <a:ea typeface="ヒラギノ角ゴ Pro W3"/>
@@ -33312,7 +33242,7 @@
           <p:cNvPr id="5" name="Rectangle 4">
             <a:extLst>
               <a:ext uri="{FF2B5EF4-FFF2-40B4-BE49-F238E27FC236}">
-                <a16:creationId xmlns:a16="http://schemas.microsoft.com/office/drawing/2014/main" xmlns="" id="{05F265B0-DB57-47C7-8399-8F6780621020}"/>
+                <a16:creationId xmlns:a16="http://schemas.microsoft.com/office/drawing/2014/main" id="{05F265B0-DB57-47C7-8399-8F6780621020}"/>
               </a:ext>
             </a:extLst>
           </p:cNvPr>
@@ -33453,15 +33383,6 @@
                 <a:cs typeface="Times New Roman" panose="02020603050405020304" pitchFamily="18" charset="0"/>
               </a:rPr>
               <a:t>table_name</a:t>
-            </a:r>
-            <a:r>
-              <a:rPr lang="en-GB" sz="2000" dirty="0">
-                <a:effectLst/>
-                <a:latin typeface="Consolas" panose="020B0609020204030204" pitchFamily="49" charset="0"/>
-                <a:ea typeface="SimSun" panose="02010600030101010101" pitchFamily="2" charset="-122"/>
-                <a:cs typeface="Times New Roman" panose="02020603050405020304" pitchFamily="18" charset="0"/>
-              </a:rPr>
-              <a:t/>
             </a:r>
             <a:br>
               <a:rPr lang="en-GB" sz="2000" dirty="0">
@@ -33647,7 +33568,7 @@
           <p:cNvPr id="6" name="Table 5">
             <a:extLst>
               <a:ext uri="{FF2B5EF4-FFF2-40B4-BE49-F238E27FC236}">
-                <a16:creationId xmlns:a16="http://schemas.microsoft.com/office/drawing/2014/main" xmlns="" id="{A2B08347-5D1E-4145-BE57-2F06836BDB4B}"/>
+                <a16:creationId xmlns:a16="http://schemas.microsoft.com/office/drawing/2014/main" id="{A2B08347-5D1E-4145-BE57-2F06836BDB4B}"/>
               </a:ext>
             </a:extLst>
           </p:cNvPr>
@@ -33670,14 +33591,14 @@
                 <a:gridCol w="1887794">
                   <a:extLst>
                     <a:ext uri="{9D8B030D-6E8A-4147-A177-3AD203B41FA5}">
-                      <a16:colId xmlns:a16="http://schemas.microsoft.com/office/drawing/2014/main" xmlns="" val="4279074019"/>
+                      <a16:colId xmlns:a16="http://schemas.microsoft.com/office/drawing/2014/main" val="4279074019"/>
                     </a:ext>
                   </a:extLst>
                 </a:gridCol>
                 <a:gridCol w="5914103">
                   <a:extLst>
                     <a:ext uri="{9D8B030D-6E8A-4147-A177-3AD203B41FA5}">
-                      <a16:colId xmlns:a16="http://schemas.microsoft.com/office/drawing/2014/main" xmlns="" val="299845476"/>
+                      <a16:colId xmlns:a16="http://schemas.microsoft.com/office/drawing/2014/main" val="299845476"/>
                     </a:ext>
                   </a:extLst>
                 </a:gridCol>
@@ -33775,7 +33696,7 @@
                 </a:tc>
                 <a:extLst>
                   <a:ext uri="{0D108BD9-81ED-4DB2-BD59-A6C34878D82A}">
-                    <a16:rowId xmlns:a16="http://schemas.microsoft.com/office/drawing/2014/main" xmlns="" val="2889331394"/>
+                    <a16:rowId xmlns:a16="http://schemas.microsoft.com/office/drawing/2014/main" val="2889331394"/>
                   </a:ext>
                 </a:extLst>
               </a:tr>
@@ -33873,7 +33794,7 @@
                 </a:tc>
                 <a:extLst>
                   <a:ext uri="{0D108BD9-81ED-4DB2-BD59-A6C34878D82A}">
-                    <a16:rowId xmlns:a16="http://schemas.microsoft.com/office/drawing/2014/main" xmlns="" val="3992688896"/>
+                    <a16:rowId xmlns:a16="http://schemas.microsoft.com/office/drawing/2014/main" val="3992688896"/>
                   </a:ext>
                 </a:extLst>
               </a:tr>
@@ -33971,7 +33892,7 @@
                 </a:tc>
                 <a:extLst>
                   <a:ext uri="{0D108BD9-81ED-4DB2-BD59-A6C34878D82A}">
-                    <a16:rowId xmlns:a16="http://schemas.microsoft.com/office/drawing/2014/main" xmlns="" val="2869153304"/>
+                    <a16:rowId xmlns:a16="http://schemas.microsoft.com/office/drawing/2014/main" val="2869153304"/>
                   </a:ext>
                 </a:extLst>
               </a:tr>
@@ -34069,7 +33990,7 @@
                 </a:tc>
                 <a:extLst>
                   <a:ext uri="{0D108BD9-81ED-4DB2-BD59-A6C34878D82A}">
-                    <a16:rowId xmlns:a16="http://schemas.microsoft.com/office/drawing/2014/main" xmlns="" val="3444098652"/>
+                    <a16:rowId xmlns:a16="http://schemas.microsoft.com/office/drawing/2014/main" val="3444098652"/>
                   </a:ext>
                 </a:extLst>
               </a:tr>
@@ -34167,7 +34088,7 @@
                 </a:tc>
                 <a:extLst>
                   <a:ext uri="{0D108BD9-81ED-4DB2-BD59-A6C34878D82A}">
-                    <a16:rowId xmlns:a16="http://schemas.microsoft.com/office/drawing/2014/main" xmlns="" val="296714355"/>
+                    <a16:rowId xmlns:a16="http://schemas.microsoft.com/office/drawing/2014/main" val="296714355"/>
                   </a:ext>
                 </a:extLst>
               </a:tr>
@@ -34265,7 +34186,7 @@
                 </a:tc>
                 <a:extLst>
                   <a:ext uri="{0D108BD9-81ED-4DB2-BD59-A6C34878D82A}">
-                    <a16:rowId xmlns:a16="http://schemas.microsoft.com/office/drawing/2014/main" xmlns="" val="1778385618"/>
+                    <a16:rowId xmlns:a16="http://schemas.microsoft.com/office/drawing/2014/main" val="1778385618"/>
                   </a:ext>
                 </a:extLst>
               </a:tr>
@@ -34363,7 +34284,7 @@
                 </a:tc>
                 <a:extLst>
                   <a:ext uri="{0D108BD9-81ED-4DB2-BD59-A6C34878D82A}">
-                    <a16:rowId xmlns:a16="http://schemas.microsoft.com/office/drawing/2014/main" xmlns="" val="3929742012"/>
+                    <a16:rowId xmlns:a16="http://schemas.microsoft.com/office/drawing/2014/main" val="3929742012"/>
                   </a:ext>
                 </a:extLst>
               </a:tr>
@@ -34461,7 +34382,7 @@
                 </a:tc>
                 <a:extLst>
                   <a:ext uri="{0D108BD9-81ED-4DB2-BD59-A6C34878D82A}">
-                    <a16:rowId xmlns:a16="http://schemas.microsoft.com/office/drawing/2014/main" xmlns="" val="2324673819"/>
+                    <a16:rowId xmlns:a16="http://schemas.microsoft.com/office/drawing/2014/main" val="2324673819"/>
                   </a:ext>
                 </a:extLst>
               </a:tr>
@@ -34757,7 +34678,7 @@
           <p:cNvPr id="5" name="Rectangle 4">
             <a:extLst>
               <a:ext uri="{FF2B5EF4-FFF2-40B4-BE49-F238E27FC236}">
-                <a16:creationId xmlns:a16="http://schemas.microsoft.com/office/drawing/2014/main" xmlns="" id="{05F265B0-DB57-47C7-8399-8F6780621020}"/>
+                <a16:creationId xmlns:a16="http://schemas.microsoft.com/office/drawing/2014/main" id="{05F265B0-DB57-47C7-8399-8F6780621020}"/>
               </a:ext>
             </a:extLst>
           </p:cNvPr>
@@ -34898,15 +34819,6 @@
                 <a:cs typeface="Times New Roman" panose="02020603050405020304" pitchFamily="18" charset="0"/>
               </a:rPr>
               <a:t>table_name</a:t>
-            </a:r>
-            <a:r>
-              <a:rPr lang="en-GB" sz="2000" dirty="0">
-                <a:effectLst/>
-                <a:latin typeface="Consolas" panose="020B0609020204030204" pitchFamily="49" charset="0"/>
-                <a:ea typeface="SimSun" panose="02010600030101010101" pitchFamily="2" charset="-122"/>
-                <a:cs typeface="Times New Roman" panose="02020603050405020304" pitchFamily="18" charset="0"/>
-              </a:rPr>
-              <a:t/>
             </a:r>
             <a:br>
               <a:rPr lang="en-GB" sz="2000" dirty="0">
@@ -35146,7 +35058,7 @@
           <p:cNvPr id="3" name="Title 2">
             <a:extLst>
               <a:ext uri="{FF2B5EF4-FFF2-40B4-BE49-F238E27FC236}">
-                <a16:creationId xmlns:a16="http://schemas.microsoft.com/office/drawing/2014/main" xmlns="" id="{0A99B643-6127-4AF4-B3E6-9F913F39A1AA}"/>
+                <a16:creationId xmlns:a16="http://schemas.microsoft.com/office/drawing/2014/main" id="{0A99B643-6127-4AF4-B3E6-9F913F39A1AA}"/>
               </a:ext>
             </a:extLst>
           </p:cNvPr>
@@ -35392,7 +35304,7 @@
           <p:cNvPr id="5122" name="Title 1">
             <a:extLst>
               <a:ext uri="{FF2B5EF4-FFF2-40B4-BE49-F238E27FC236}">
-                <a16:creationId xmlns:a16="http://schemas.microsoft.com/office/drawing/2014/main" xmlns="" id="{2DF29706-0BF6-40D2-8B1C-3EC71B2E0102}"/>
+                <a16:creationId xmlns:a16="http://schemas.microsoft.com/office/drawing/2014/main" id="{2DF29706-0BF6-40D2-8B1C-3EC71B2E0102}"/>
               </a:ext>
             </a:extLst>
           </p:cNvPr>
@@ -35707,7 +35619,7 @@
           <p:cNvPr id="5" name="Rectangle 4">
             <a:extLst>
               <a:ext uri="{FF2B5EF4-FFF2-40B4-BE49-F238E27FC236}">
-                <a16:creationId xmlns:a16="http://schemas.microsoft.com/office/drawing/2014/main" xmlns="" id="{05F265B0-DB57-47C7-8399-8F6780621020}"/>
+                <a16:creationId xmlns:a16="http://schemas.microsoft.com/office/drawing/2014/main" id="{05F265B0-DB57-47C7-8399-8F6780621020}"/>
               </a:ext>
             </a:extLst>
           </p:cNvPr>
@@ -36052,7 +35964,7 @@
           <p:cNvPr id="5" name="Rectangle 4">
             <a:extLst>
               <a:ext uri="{FF2B5EF4-FFF2-40B4-BE49-F238E27FC236}">
-                <a16:creationId xmlns:a16="http://schemas.microsoft.com/office/drawing/2014/main" xmlns="" id="{05F265B0-DB57-47C7-8399-8F6780621020}"/>
+                <a16:creationId xmlns:a16="http://schemas.microsoft.com/office/drawing/2014/main" id="{05F265B0-DB57-47C7-8399-8F6780621020}"/>
               </a:ext>
             </a:extLst>
           </p:cNvPr>
@@ -36229,15 +36141,6 @@
                 <a:cs typeface="Times New Roman" panose="02020603050405020304" pitchFamily="18" charset="0"/>
               </a:rPr>
               <a:t> …</a:t>
-            </a:r>
-            <a:r>
-              <a:rPr lang="en-GB" sz="2000" dirty="0">
-                <a:effectLst/>
-                <a:latin typeface="Consolas" panose="020B0609020204030204" pitchFamily="49" charset="0"/>
-                <a:ea typeface="SimSun" panose="02010600030101010101" pitchFamily="2" charset="-122"/>
-                <a:cs typeface="Times New Roman" panose="02020603050405020304" pitchFamily="18" charset="0"/>
-              </a:rPr>
-              <a:t/>
             </a:r>
             <a:br>
               <a:rPr lang="en-GB" sz="2000" dirty="0">
@@ -36424,7 +36327,7 @@
           <p:cNvPr id="5" name="Rectangle 4">
             <a:extLst>
               <a:ext uri="{FF2B5EF4-FFF2-40B4-BE49-F238E27FC236}">
-                <a16:creationId xmlns:a16="http://schemas.microsoft.com/office/drawing/2014/main" xmlns="" id="{05F265B0-DB57-47C7-8399-8F6780621020}"/>
+                <a16:creationId xmlns:a16="http://schemas.microsoft.com/office/drawing/2014/main" id="{05F265B0-DB57-47C7-8399-8F6780621020}"/>
               </a:ext>
             </a:extLst>
           </p:cNvPr>
@@ -36797,7 +36700,7 @@
           <p:cNvPr id="5" name="Rectangle 4">
             <a:extLst>
               <a:ext uri="{FF2B5EF4-FFF2-40B4-BE49-F238E27FC236}">
-                <a16:creationId xmlns:a16="http://schemas.microsoft.com/office/drawing/2014/main" xmlns="" id="{05F265B0-DB57-47C7-8399-8F6780621020}"/>
+                <a16:creationId xmlns:a16="http://schemas.microsoft.com/office/drawing/2014/main" id="{05F265B0-DB57-47C7-8399-8F6780621020}"/>
               </a:ext>
             </a:extLst>
           </p:cNvPr>
@@ -36917,7 +36820,7 @@
           <p:cNvPr id="7" name="Rectangle 6">
             <a:extLst>
               <a:ext uri="{FF2B5EF4-FFF2-40B4-BE49-F238E27FC236}">
-                <a16:creationId xmlns:a16="http://schemas.microsoft.com/office/drawing/2014/main" xmlns="" id="{96805C2B-3296-47F5-AB8A-BBF18D65A3AE}"/>
+                <a16:creationId xmlns:a16="http://schemas.microsoft.com/office/drawing/2014/main" id="{96805C2B-3296-47F5-AB8A-BBF18D65A3AE}"/>
               </a:ext>
             </a:extLst>
           </p:cNvPr>
@@ -37103,7 +37006,7 @@
           <p:cNvPr id="5122" name="Title 1">
             <a:extLst>
               <a:ext uri="{FF2B5EF4-FFF2-40B4-BE49-F238E27FC236}">
-                <a16:creationId xmlns:a16="http://schemas.microsoft.com/office/drawing/2014/main" xmlns="" id="{2DF29706-0BF6-40D2-8B1C-3EC71B2E0102}"/>
+                <a16:creationId xmlns:a16="http://schemas.microsoft.com/office/drawing/2014/main" id="{2DF29706-0BF6-40D2-8B1C-3EC71B2E0102}"/>
               </a:ext>
             </a:extLst>
           </p:cNvPr>
@@ -37462,7 +37365,7 @@
           <p:cNvPr id="5" name="Rectangle 4">
             <a:extLst>
               <a:ext uri="{FF2B5EF4-FFF2-40B4-BE49-F238E27FC236}">
-                <a16:creationId xmlns:a16="http://schemas.microsoft.com/office/drawing/2014/main" xmlns="" id="{05F265B0-DB57-47C7-8399-8F6780621020}"/>
+                <a16:creationId xmlns:a16="http://schemas.microsoft.com/office/drawing/2014/main" id="{05F265B0-DB57-47C7-8399-8F6780621020}"/>
               </a:ext>
             </a:extLst>
           </p:cNvPr>
@@ -37607,7 +37510,7 @@
           <p:cNvPr id="7" name="Rectangle 6">
             <a:extLst>
               <a:ext uri="{FF2B5EF4-FFF2-40B4-BE49-F238E27FC236}">
-                <a16:creationId xmlns:a16="http://schemas.microsoft.com/office/drawing/2014/main" xmlns="" id="{96805C2B-3296-47F5-AB8A-BBF18D65A3AE}"/>
+                <a16:creationId xmlns:a16="http://schemas.microsoft.com/office/drawing/2014/main" id="{96805C2B-3296-47F5-AB8A-BBF18D65A3AE}"/>
               </a:ext>
             </a:extLst>
           </p:cNvPr>
@@ -37691,7 +37594,7 @@
           <p:cNvPr id="8" name="Rectangle 7">
             <a:extLst>
               <a:ext uri="{FF2B5EF4-FFF2-40B4-BE49-F238E27FC236}">
-                <a16:creationId xmlns:a16="http://schemas.microsoft.com/office/drawing/2014/main" xmlns="" id="{40458BC8-8E44-46D3-B04E-8864BF3780E1}"/>
+                <a16:creationId xmlns:a16="http://schemas.microsoft.com/office/drawing/2014/main" id="{40458BC8-8E44-46D3-B04E-8864BF3780E1}"/>
               </a:ext>
             </a:extLst>
           </p:cNvPr>
@@ -37794,7 +37697,7 @@
           <p:cNvPr id="9" name="Rectangle 8">
             <a:extLst>
               <a:ext uri="{FF2B5EF4-FFF2-40B4-BE49-F238E27FC236}">
-                <a16:creationId xmlns:a16="http://schemas.microsoft.com/office/drawing/2014/main" xmlns="" id="{58B7813D-DD53-41FA-87EC-0C06798FC9CE}"/>
+                <a16:creationId xmlns:a16="http://schemas.microsoft.com/office/drawing/2014/main" id="{58B7813D-DD53-41FA-87EC-0C06798FC9CE}"/>
               </a:ext>
             </a:extLst>
           </p:cNvPr>
@@ -37849,15 +37752,6 @@
                 <a:cs typeface="Times New Roman" panose="02020603050405020304" pitchFamily="18" charset="0"/>
               </a:rPr>
               <a:t>target_table_name</a:t>
-            </a:r>
-            <a:r>
-              <a:rPr lang="en-GB" sz="2000" dirty="0">
-                <a:effectLst/>
-                <a:latin typeface="Consolas" panose="020B0609020204030204" pitchFamily="49" charset="0"/>
-                <a:ea typeface="SimSun" panose="02010600030101010101" pitchFamily="2" charset="-122"/>
-                <a:cs typeface="Times New Roman" panose="02020603050405020304" pitchFamily="18" charset="0"/>
-              </a:rPr>
-              <a:t/>
             </a:r>
             <a:br>
               <a:rPr lang="en-GB" sz="2000" dirty="0">
@@ -38145,7 +38039,7 @@
           <p:cNvPr id="5" name="Rectangle 4">
             <a:extLst>
               <a:ext uri="{FF2B5EF4-FFF2-40B4-BE49-F238E27FC236}">
-                <a16:creationId xmlns:a16="http://schemas.microsoft.com/office/drawing/2014/main" xmlns="" id="{05F265B0-DB57-47C7-8399-8F6780621020}"/>
+                <a16:creationId xmlns:a16="http://schemas.microsoft.com/office/drawing/2014/main" id="{05F265B0-DB57-47C7-8399-8F6780621020}"/>
               </a:ext>
             </a:extLst>
           </p:cNvPr>
@@ -38224,7 +38118,7 @@
           <p:cNvPr id="7" name="Rectangle 6">
             <a:extLst>
               <a:ext uri="{FF2B5EF4-FFF2-40B4-BE49-F238E27FC236}">
-                <a16:creationId xmlns:a16="http://schemas.microsoft.com/office/drawing/2014/main" xmlns="" id="{96805C2B-3296-47F5-AB8A-BBF18D65A3AE}"/>
+                <a16:creationId xmlns:a16="http://schemas.microsoft.com/office/drawing/2014/main" id="{96805C2B-3296-47F5-AB8A-BBF18D65A3AE}"/>
               </a:ext>
             </a:extLst>
           </p:cNvPr>
@@ -38320,7 +38214,7 @@
           <p:cNvPr id="8" name="Rectangle 7">
             <a:extLst>
               <a:ext uri="{FF2B5EF4-FFF2-40B4-BE49-F238E27FC236}">
-                <a16:creationId xmlns:a16="http://schemas.microsoft.com/office/drawing/2014/main" xmlns="" id="{40458BC8-8E44-46D3-B04E-8864BF3780E1}"/>
+                <a16:creationId xmlns:a16="http://schemas.microsoft.com/office/drawing/2014/main" id="{40458BC8-8E44-46D3-B04E-8864BF3780E1}"/>
               </a:ext>
             </a:extLst>
           </p:cNvPr>
@@ -38534,7 +38428,7 @@
           <p:cNvPr id="3" name="Title 2">
             <a:extLst>
               <a:ext uri="{FF2B5EF4-FFF2-40B4-BE49-F238E27FC236}">
-                <a16:creationId xmlns:a16="http://schemas.microsoft.com/office/drawing/2014/main" xmlns="" id="{0A99B643-6127-4AF4-B3E6-9F913F39A1AA}"/>
+                <a16:creationId xmlns:a16="http://schemas.microsoft.com/office/drawing/2014/main" id="{0A99B643-6127-4AF4-B3E6-9F913F39A1AA}"/>
               </a:ext>
             </a:extLst>
           </p:cNvPr>
@@ -38937,7 +38831,7 @@
           <p:cNvPr id="7" name="Rectangle 6">
             <a:extLst>
               <a:ext uri="{FF2B5EF4-FFF2-40B4-BE49-F238E27FC236}">
-                <a16:creationId xmlns:a16="http://schemas.microsoft.com/office/drawing/2014/main" xmlns="" id="{BE311486-9F54-40F2-BAA5-EBF9E613A883}"/>
+                <a16:creationId xmlns:a16="http://schemas.microsoft.com/office/drawing/2014/main" id="{BE311486-9F54-40F2-BAA5-EBF9E613A883}"/>
               </a:ext>
             </a:extLst>
           </p:cNvPr>
@@ -39000,7 +38894,7 @@
           <p:cNvPr id="8" name="Picture 7">
             <a:extLst>
               <a:ext uri="{FF2B5EF4-FFF2-40B4-BE49-F238E27FC236}">
-                <a16:creationId xmlns:a16="http://schemas.microsoft.com/office/drawing/2014/main" xmlns="" id="{5C80FF1F-B881-4219-80DC-300FA797B14B}"/>
+                <a16:creationId xmlns:a16="http://schemas.microsoft.com/office/drawing/2014/main" id="{5C80FF1F-B881-4219-80DC-300FA797B14B}"/>
               </a:ext>
             </a:extLst>
           </p:cNvPr>
@@ -39034,7 +38928,7 @@
             <a:tailEnd type="none" w="med" len="med"/>
             <a:extLst>
               <a:ext uri="{C807C97D-BFC1-408E-A445-0C87EB9F89A2}">
-                <ask:lineSketchStyleProps xmlns:ask="http://schemas.microsoft.com/office/drawing/2018/sketchyshapes" xmlns="" sd="0">
+                <ask:lineSketchStyleProps xmlns:ask="http://schemas.microsoft.com/office/drawing/2018/sketchyshapes" sd="0">
                   <a:custGeom>
                     <a:avLst/>
                     <a:gdLst/>
@@ -39285,7 +39179,7 @@
           <p:cNvPr id="5" name="Rectangle 4">
             <a:extLst>
               <a:ext uri="{FF2B5EF4-FFF2-40B4-BE49-F238E27FC236}">
-                <a16:creationId xmlns:a16="http://schemas.microsoft.com/office/drawing/2014/main" xmlns="" id="{31C505F1-8260-4F6E-9EFB-709244B07FD7}"/>
+                <a16:creationId xmlns:a16="http://schemas.microsoft.com/office/drawing/2014/main" id="{31C505F1-8260-4F6E-9EFB-709244B07FD7}"/>
               </a:ext>
             </a:extLst>
           </p:cNvPr>
@@ -39523,7 +39417,7 @@
           <p:cNvPr id="6" name="Table 5">
             <a:extLst>
               <a:ext uri="{FF2B5EF4-FFF2-40B4-BE49-F238E27FC236}">
-                <a16:creationId xmlns:a16="http://schemas.microsoft.com/office/drawing/2014/main" xmlns="" id="{E94C4A34-516E-42E8-A6AF-50981EECA45C}"/>
+                <a16:creationId xmlns:a16="http://schemas.microsoft.com/office/drawing/2014/main" id="{E94C4A34-516E-42E8-A6AF-50981EECA45C}"/>
               </a:ext>
             </a:extLst>
           </p:cNvPr>
@@ -39546,14 +39440,14 @@
                 <a:gridCol w="1926019">
                   <a:extLst>
                     <a:ext uri="{9D8B030D-6E8A-4147-A177-3AD203B41FA5}">
-                      <a16:colId xmlns:a16="http://schemas.microsoft.com/office/drawing/2014/main" xmlns="" val="3700328670"/>
+                      <a16:colId xmlns:a16="http://schemas.microsoft.com/office/drawing/2014/main" val="3700328670"/>
                     </a:ext>
                   </a:extLst>
                 </a:gridCol>
                 <a:gridCol w="6303581">
                   <a:extLst>
                     <a:ext uri="{9D8B030D-6E8A-4147-A177-3AD203B41FA5}">
-                      <a16:colId xmlns:a16="http://schemas.microsoft.com/office/drawing/2014/main" xmlns="" val="1363334099"/>
+                      <a16:colId xmlns:a16="http://schemas.microsoft.com/office/drawing/2014/main" val="1363334099"/>
                     </a:ext>
                   </a:extLst>
                 </a:gridCol>
@@ -39651,7 +39545,7 @@
                 </a:tc>
                 <a:extLst>
                   <a:ext uri="{0D108BD9-81ED-4DB2-BD59-A6C34878D82A}">
-                    <a16:rowId xmlns:a16="http://schemas.microsoft.com/office/drawing/2014/main" xmlns="" val="4258309476"/>
+                    <a16:rowId xmlns:a16="http://schemas.microsoft.com/office/drawing/2014/main" val="4258309476"/>
                   </a:ext>
                 </a:extLst>
               </a:tr>
@@ -39758,7 +39652,7 @@
                 </a:tc>
                 <a:extLst>
                   <a:ext uri="{0D108BD9-81ED-4DB2-BD59-A6C34878D82A}">
-                    <a16:rowId xmlns:a16="http://schemas.microsoft.com/office/drawing/2014/main" xmlns="" val="2421748575"/>
+                    <a16:rowId xmlns:a16="http://schemas.microsoft.com/office/drawing/2014/main" val="2421748575"/>
                   </a:ext>
                 </a:extLst>
               </a:tr>
@@ -39865,7 +39759,7 @@
                 </a:tc>
                 <a:extLst>
                   <a:ext uri="{0D108BD9-81ED-4DB2-BD59-A6C34878D82A}">
-                    <a16:rowId xmlns:a16="http://schemas.microsoft.com/office/drawing/2014/main" xmlns="" val="1184041938"/>
+                    <a16:rowId xmlns:a16="http://schemas.microsoft.com/office/drawing/2014/main" val="1184041938"/>
                   </a:ext>
                 </a:extLst>
               </a:tr>
@@ -39972,7 +39866,7 @@
                 </a:tc>
                 <a:extLst>
                   <a:ext uri="{0D108BD9-81ED-4DB2-BD59-A6C34878D82A}">
-                    <a16:rowId xmlns:a16="http://schemas.microsoft.com/office/drawing/2014/main" xmlns="" val="2414919808"/>
+                    <a16:rowId xmlns:a16="http://schemas.microsoft.com/office/drawing/2014/main" val="2414919808"/>
                   </a:ext>
                 </a:extLst>
               </a:tr>
@@ -40079,7 +39973,7 @@
                 </a:tc>
                 <a:extLst>
                   <a:ext uri="{0D108BD9-81ED-4DB2-BD59-A6C34878D82A}">
-                    <a16:rowId xmlns:a16="http://schemas.microsoft.com/office/drawing/2014/main" xmlns="" val="914462438"/>
+                    <a16:rowId xmlns:a16="http://schemas.microsoft.com/office/drawing/2014/main" val="914462438"/>
                   </a:ext>
                 </a:extLst>
               </a:tr>
@@ -40186,7 +40080,7 @@
                 </a:tc>
                 <a:extLst>
                   <a:ext uri="{0D108BD9-81ED-4DB2-BD59-A6C34878D82A}">
-                    <a16:rowId xmlns:a16="http://schemas.microsoft.com/office/drawing/2014/main" xmlns="" val="1113212856"/>
+                    <a16:rowId xmlns:a16="http://schemas.microsoft.com/office/drawing/2014/main" val="1113212856"/>
                   </a:ext>
                 </a:extLst>
               </a:tr>
@@ -42213,18 +42107,18 @@
 </file>
 
 <file path=customXml/item1.xml><?xml version="1.0" encoding="utf-8"?>
-<p:properties xmlns:p="http://schemas.microsoft.com/office/2006/metadata/properties" xmlns:xsi="http://www.w3.org/2001/XMLSchema-instance">
-  <documentManagement/>
-</p:properties>
-</file>
-
-<file path=customXml/item2.xml><?xml version="1.0" encoding="utf-8"?>
 <?mso-contentType ?>
 <FormTemplates xmlns="http://schemas.microsoft.com/sharepoint/v3/contenttype/forms">
   <Display>DocumentLibraryForm</Display>
   <Edit>DocumentLibraryForm</Edit>
   <New>DocumentLibraryForm</New>
 </FormTemplates>
+</file>
+
+<file path=customXml/item2.xml><?xml version="1.0" encoding="utf-8"?>
+<p:properties xmlns:p="http://schemas.microsoft.com/office/2006/metadata/properties" xmlns:xsi="http://www.w3.org/2001/XMLSchema-instance">
+  <documentManagement/>
+</p:properties>
 </file>
 
 <file path=customXml/item3.xml><?xml version="1.0" encoding="utf-8"?>
@@ -42277,6 +42171,14 @@
 </file>
 
 <file path=customXml/itemProps1.xml><?xml version="1.0" encoding="utf-8"?>
+<ds:datastoreItem xmlns:ds="http://schemas.openxmlformats.org/officeDocument/2006/customXml" ds:itemID="{A8AED1B3-2F45-4762-91FA-ED08F295B52E}">
+  <ds:schemaRefs>
+    <ds:schemaRef ds:uri="http://schemas.microsoft.com/sharepoint/v3/contenttype/forms"/>
+  </ds:schemaRefs>
+</ds:datastoreItem>
+</file>
+
+<file path=customXml/itemProps2.xml><?xml version="1.0" encoding="utf-8"?>
 <ds:datastoreItem xmlns:ds="http://schemas.openxmlformats.org/officeDocument/2006/customXml" ds:itemID="{50BC6695-9009-4E8C-96D7-2BD9B437109A}">
   <ds:schemaRefs>
     <ds:schemaRef ds:uri="http://purl.org/dc/elements/1.1/"/>
@@ -42286,14 +42188,6 @@
     <ds:schemaRef ds:uri="http://schemas.microsoft.com/office/2006/documentManagement/types"/>
     <ds:schemaRef ds:uri="http://www.w3.org/XML/1998/namespace"/>
     <ds:schemaRef ds:uri="http://purl.org/dc/dcmitype/"/>
-  </ds:schemaRefs>
-</ds:datastoreItem>
-</file>
-
-<file path=customXml/itemProps2.xml><?xml version="1.0" encoding="utf-8"?>
-<ds:datastoreItem xmlns:ds="http://schemas.openxmlformats.org/officeDocument/2006/customXml" ds:itemID="{A8AED1B3-2F45-4762-91FA-ED08F295B52E}">
-  <ds:schemaRefs>
-    <ds:schemaRef ds:uri="http://schemas.microsoft.com/sharepoint/v3/contenttype/forms"/>
   </ds:schemaRefs>
 </ds:datastoreItem>
 </file>
